--- a/RegrasNegocio/RN_Requisitos.pptx
+++ b/RegrasNegocio/RN_Requisitos.pptx
@@ -13,6 +13,20 @@
     <p:sldId id="260" r:id="rId7"/>
     <p:sldId id="262" r:id="rId8"/>
     <p:sldId id="263" r:id="rId9"/>
+    <p:sldId id="264" r:id="rId10"/>
+    <p:sldId id="265" r:id="rId11"/>
+    <p:sldId id="268" r:id="rId12"/>
+    <p:sldId id="269" r:id="rId13"/>
+    <p:sldId id="267" r:id="rId14"/>
+    <p:sldId id="271" r:id="rId15"/>
+    <p:sldId id="272" r:id="rId16"/>
+    <p:sldId id="273" r:id="rId17"/>
+    <p:sldId id="274" r:id="rId18"/>
+    <p:sldId id="275" r:id="rId19"/>
+    <p:sldId id="276" r:id="rId20"/>
+    <p:sldId id="277" r:id="rId21"/>
+    <p:sldId id="279" r:id="rId22"/>
+    <p:sldId id="280" r:id="rId23"/>
   </p:sldIdLst>
   <p:sldSz cx="12192000" cy="6858000"/>
   <p:notesSz cx="6858000" cy="9144000"/>
@@ -266,7 +280,7 @@
           <a:p>
             <a:fld id="{0A1764AE-7598-4101-9D63-6EC8D69CE664}" type="datetimeFigureOut">
               <a:rPr lang="pt-BR" smtClean="0"/>
-              <a:t>12/12/2023</a:t>
+              <a:t>22/01/2024</a:t>
             </a:fld>
             <a:endParaRPr lang="pt-BR"/>
           </a:p>
@@ -464,7 +478,7 @@
           <a:p>
             <a:fld id="{0A1764AE-7598-4101-9D63-6EC8D69CE664}" type="datetimeFigureOut">
               <a:rPr lang="pt-BR" smtClean="0"/>
-              <a:t>12/12/2023</a:t>
+              <a:t>22/01/2024</a:t>
             </a:fld>
             <a:endParaRPr lang="pt-BR"/>
           </a:p>
@@ -672,7 +686,7 @@
           <a:p>
             <a:fld id="{0A1764AE-7598-4101-9D63-6EC8D69CE664}" type="datetimeFigureOut">
               <a:rPr lang="pt-BR" smtClean="0"/>
-              <a:t>12/12/2023</a:t>
+              <a:t>22/01/2024</a:t>
             </a:fld>
             <a:endParaRPr lang="pt-BR"/>
           </a:p>
@@ -870,7 +884,7 @@
           <a:p>
             <a:fld id="{0A1764AE-7598-4101-9D63-6EC8D69CE664}" type="datetimeFigureOut">
               <a:rPr lang="pt-BR" smtClean="0"/>
-              <a:t>12/12/2023</a:t>
+              <a:t>22/01/2024</a:t>
             </a:fld>
             <a:endParaRPr lang="pt-BR"/>
           </a:p>
@@ -1145,7 +1159,7 @@
           <a:p>
             <a:fld id="{0A1764AE-7598-4101-9D63-6EC8D69CE664}" type="datetimeFigureOut">
               <a:rPr lang="pt-BR" smtClean="0"/>
-              <a:t>12/12/2023</a:t>
+              <a:t>22/01/2024</a:t>
             </a:fld>
             <a:endParaRPr lang="pt-BR"/>
           </a:p>
@@ -1410,7 +1424,7 @@
           <a:p>
             <a:fld id="{0A1764AE-7598-4101-9D63-6EC8D69CE664}" type="datetimeFigureOut">
               <a:rPr lang="pt-BR" smtClean="0"/>
-              <a:t>12/12/2023</a:t>
+              <a:t>22/01/2024</a:t>
             </a:fld>
             <a:endParaRPr lang="pt-BR"/>
           </a:p>
@@ -1822,7 +1836,7 @@
           <a:p>
             <a:fld id="{0A1764AE-7598-4101-9D63-6EC8D69CE664}" type="datetimeFigureOut">
               <a:rPr lang="pt-BR" smtClean="0"/>
-              <a:t>12/12/2023</a:t>
+              <a:t>22/01/2024</a:t>
             </a:fld>
             <a:endParaRPr lang="pt-BR"/>
           </a:p>
@@ -1963,7 +1977,7 @@
           <a:p>
             <a:fld id="{0A1764AE-7598-4101-9D63-6EC8D69CE664}" type="datetimeFigureOut">
               <a:rPr lang="pt-BR" smtClean="0"/>
-              <a:t>12/12/2023</a:t>
+              <a:t>22/01/2024</a:t>
             </a:fld>
             <a:endParaRPr lang="pt-BR"/>
           </a:p>
@@ -2076,7 +2090,7 @@
           <a:p>
             <a:fld id="{0A1764AE-7598-4101-9D63-6EC8D69CE664}" type="datetimeFigureOut">
               <a:rPr lang="pt-BR" smtClean="0"/>
-              <a:t>12/12/2023</a:t>
+              <a:t>22/01/2024</a:t>
             </a:fld>
             <a:endParaRPr lang="pt-BR"/>
           </a:p>
@@ -2387,7 +2401,7 @@
           <a:p>
             <a:fld id="{0A1764AE-7598-4101-9D63-6EC8D69CE664}" type="datetimeFigureOut">
               <a:rPr lang="pt-BR" smtClean="0"/>
-              <a:t>12/12/2023</a:t>
+              <a:t>22/01/2024</a:t>
             </a:fld>
             <a:endParaRPr lang="pt-BR"/>
           </a:p>
@@ -2675,7 +2689,7 @@
           <a:p>
             <a:fld id="{0A1764AE-7598-4101-9D63-6EC8D69CE664}" type="datetimeFigureOut">
               <a:rPr lang="pt-BR" smtClean="0"/>
-              <a:t>12/12/2023</a:t>
+              <a:t>22/01/2024</a:t>
             </a:fld>
             <a:endParaRPr lang="pt-BR"/>
           </a:p>
@@ -2916,7 +2930,7 @@
           <a:p>
             <a:fld id="{0A1764AE-7598-4101-9D63-6EC8D69CE664}" type="datetimeFigureOut">
               <a:rPr lang="pt-BR" smtClean="0"/>
-              <a:t>12/12/2023</a:t>
+              <a:t>22/01/2024</a:t>
             </a:fld>
             <a:endParaRPr lang="pt-BR"/>
           </a:p>
@@ -3399,6 +3413,1982 @@
 </p:sld>
 </file>
 
+<file path=ppt/slides/slide10.xml><?xml version="1.0" encoding="utf-8"?>
+<p:sld xmlns:a="http://schemas.openxmlformats.org/drawingml/2006/main" xmlns:r="http://schemas.openxmlformats.org/officeDocument/2006/relationships" xmlns:p="http://schemas.openxmlformats.org/presentationml/2006/main">
+  <p:cSld>
+    <p:spTree>
+      <p:nvGrpSpPr>
+        <p:cNvPr id="1" name=""/>
+        <p:cNvGrpSpPr/>
+        <p:nvPr/>
+      </p:nvGrpSpPr>
+      <p:grpSpPr>
+        <a:xfrm>
+          <a:off x="0" y="0"/>
+          <a:ext cx="0" cy="0"/>
+          <a:chOff x="0" y="0"/>
+          <a:chExt cx="0" cy="0"/>
+        </a:xfrm>
+      </p:grpSpPr>
+      <p:sp>
+        <p:nvSpPr>
+          <p:cNvPr id="2" name="Título 1"/>
+          <p:cNvSpPr>
+            <a:spLocks noGrp="1"/>
+          </p:cNvSpPr>
+          <p:nvPr>
+            <p:ph type="title"/>
+          </p:nvPr>
+        </p:nvSpPr>
+        <p:spPr/>
+        <p:txBody>
+          <a:bodyPr/>
+          <a:lstStyle/>
+          <a:p>
+            <a:r>
+              <a:rPr lang="pt-BR" dirty="0" smtClean="0"/>
+              <a:t>Caso de Teste</a:t>
+            </a:r>
+            <a:endParaRPr lang="pt-BR" dirty="0"/>
+          </a:p>
+        </p:txBody>
+      </p:sp>
+      <p:sp>
+        <p:nvSpPr>
+          <p:cNvPr id="3" name="Espaço Reservado para Conteúdo 2"/>
+          <p:cNvSpPr>
+            <a:spLocks noGrp="1"/>
+          </p:cNvSpPr>
+          <p:nvPr>
+            <p:ph idx="1"/>
+          </p:nvPr>
+        </p:nvSpPr>
+        <p:spPr/>
+        <p:txBody>
+          <a:bodyPr>
+            <a:normAutofit lnSpcReduction="10000"/>
+          </a:bodyPr>
+          <a:lstStyle/>
+          <a:p>
+            <a:r>
+              <a:rPr lang="pt-BR" dirty="0"/>
+              <a:t>CT01: Tela Requisição &gt; Campos</a:t>
+            </a:r>
+          </a:p>
+          <a:p>
+            <a:pPr marL="0" indent="0">
+              <a:buNone/>
+            </a:pPr>
+            <a:r>
+              <a:rPr lang="pt-BR" dirty="0"/>
+              <a:t>   RN: </a:t>
+            </a:r>
+            <a:r>
+              <a:rPr lang="pt-BR" dirty="0" smtClean="0"/>
+              <a:t>RN02</a:t>
+            </a:r>
+            <a:endParaRPr lang="pt-BR" dirty="0"/>
+          </a:p>
+          <a:p>
+            <a:endParaRPr lang="pt-BR" dirty="0" smtClean="0"/>
+          </a:p>
+          <a:p>
+            <a:pPr marL="0" indent="0">
+              <a:buNone/>
+            </a:pPr>
+            <a:r>
+              <a:rPr lang="pt-BR" dirty="0"/>
+              <a:t>Resultado Esperado</a:t>
+            </a:r>
+            <a:r>
+              <a:rPr lang="pt-BR" dirty="0" smtClean="0"/>
+              <a:t>: Dentro do campo ,o fundo ficar verde</a:t>
+            </a:r>
+          </a:p>
+          <a:p>
+            <a:pPr marL="0" indent="0">
+              <a:buNone/>
+            </a:pPr>
+            <a:endParaRPr lang="pt-BR" dirty="0"/>
+          </a:p>
+          <a:p>
+            <a:pPr marL="0" indent="0">
+              <a:buNone/>
+            </a:pPr>
+            <a:r>
+              <a:rPr lang="pt-BR" dirty="0" smtClean="0"/>
+              <a:t>Pré-Condições: </a:t>
+            </a:r>
+            <a:r>
+              <a:rPr lang="pt-BR" dirty="0"/>
+              <a:t>Tela do almoxarifado, já está </a:t>
+            </a:r>
+            <a:r>
+              <a:rPr lang="pt-BR" dirty="0" smtClean="0"/>
+              <a:t>aberta</a:t>
+            </a:r>
+          </a:p>
+          <a:p>
+            <a:pPr marL="0" indent="0">
+              <a:buNone/>
+            </a:pPr>
+            <a:endParaRPr lang="pt-BR" dirty="0"/>
+          </a:p>
+          <a:p>
+            <a:pPr marL="0" indent="0">
+              <a:buNone/>
+            </a:pPr>
+            <a:r>
+              <a:rPr lang="pt-BR" dirty="0" smtClean="0"/>
+              <a:t>Passos do Teste:</a:t>
+            </a:r>
+          </a:p>
+          <a:p>
+            <a:pPr marL="0" indent="0">
+              <a:buNone/>
+            </a:pPr>
+            <a:r>
+              <a:rPr lang="pt-BR" dirty="0" smtClean="0"/>
+              <a:t>1- Dentro do campo | </a:t>
+            </a:r>
+            <a:r>
+              <a:rPr lang="pt-BR" dirty="0"/>
+              <a:t>RE </a:t>
+            </a:r>
+            <a:r>
+              <a:rPr lang="pt-BR" dirty="0" smtClean="0"/>
+              <a:t>: Fundo ficar verde</a:t>
+            </a:r>
+            <a:endParaRPr lang="pt-BR" dirty="0"/>
+          </a:p>
+        </p:txBody>
+      </p:sp>
+    </p:spTree>
+    <p:extLst>
+      <p:ext uri="{BB962C8B-B14F-4D97-AF65-F5344CB8AC3E}">
+        <p14:creationId xmlns:p14="http://schemas.microsoft.com/office/powerpoint/2010/main" val="3527574961"/>
+      </p:ext>
+    </p:extLst>
+  </p:cSld>
+  <p:clrMapOvr>
+    <a:masterClrMapping/>
+  </p:clrMapOvr>
+</p:sld>
+</file>
+
+<file path=ppt/slides/slide11.xml><?xml version="1.0" encoding="utf-8"?>
+<p:sld xmlns:a="http://schemas.openxmlformats.org/drawingml/2006/main" xmlns:r="http://schemas.openxmlformats.org/officeDocument/2006/relationships" xmlns:p="http://schemas.openxmlformats.org/presentationml/2006/main">
+  <p:cSld>
+    <p:spTree>
+      <p:nvGrpSpPr>
+        <p:cNvPr id="1" name=""/>
+        <p:cNvGrpSpPr/>
+        <p:nvPr/>
+      </p:nvGrpSpPr>
+      <p:grpSpPr>
+        <a:xfrm>
+          <a:off x="0" y="0"/>
+          <a:ext cx="0" cy="0"/>
+          <a:chOff x="0" y="0"/>
+          <a:chExt cx="0" cy="0"/>
+        </a:xfrm>
+      </p:grpSpPr>
+      <p:sp>
+        <p:nvSpPr>
+          <p:cNvPr id="2" name="Título 1"/>
+          <p:cNvSpPr>
+            <a:spLocks noGrp="1"/>
+          </p:cNvSpPr>
+          <p:nvPr>
+            <p:ph type="title"/>
+          </p:nvPr>
+        </p:nvSpPr>
+        <p:spPr/>
+        <p:txBody>
+          <a:bodyPr/>
+          <a:lstStyle/>
+          <a:p>
+            <a:r>
+              <a:rPr lang="pt-BR" dirty="0" smtClean="0"/>
+              <a:t>Caso de Teste</a:t>
+            </a:r>
+            <a:endParaRPr lang="pt-BR" dirty="0"/>
+          </a:p>
+        </p:txBody>
+      </p:sp>
+      <p:sp>
+        <p:nvSpPr>
+          <p:cNvPr id="3" name="Espaço Reservado para Conteúdo 2"/>
+          <p:cNvSpPr>
+            <a:spLocks noGrp="1"/>
+          </p:cNvSpPr>
+          <p:nvPr>
+            <p:ph idx="1"/>
+          </p:nvPr>
+        </p:nvSpPr>
+        <p:spPr/>
+        <p:txBody>
+          <a:bodyPr>
+            <a:normAutofit lnSpcReduction="10000"/>
+          </a:bodyPr>
+          <a:lstStyle/>
+          <a:p>
+            <a:r>
+              <a:rPr lang="pt-BR" dirty="0"/>
+              <a:t>CT01: Tela Requisição &gt; Campos</a:t>
+            </a:r>
+          </a:p>
+          <a:p>
+            <a:pPr marL="0" indent="0">
+              <a:buNone/>
+            </a:pPr>
+            <a:r>
+              <a:rPr lang="pt-BR" dirty="0"/>
+              <a:t>   RN: </a:t>
+            </a:r>
+            <a:r>
+              <a:rPr lang="pt-BR" dirty="0" smtClean="0"/>
+              <a:t>RN03</a:t>
+            </a:r>
+            <a:endParaRPr lang="pt-BR" dirty="0"/>
+          </a:p>
+          <a:p>
+            <a:endParaRPr lang="pt-BR" dirty="0" smtClean="0"/>
+          </a:p>
+          <a:p>
+            <a:pPr marL="0" indent="0">
+              <a:buNone/>
+            </a:pPr>
+            <a:r>
+              <a:rPr lang="pt-BR" dirty="0"/>
+              <a:t>Resultado Esperado</a:t>
+            </a:r>
+            <a:r>
+              <a:rPr lang="pt-BR" dirty="0" smtClean="0"/>
+              <a:t>: Os campos ID ,aceitar os valores inteiros</a:t>
+            </a:r>
+          </a:p>
+          <a:p>
+            <a:pPr marL="0" indent="0">
+              <a:buNone/>
+            </a:pPr>
+            <a:endParaRPr lang="pt-BR" dirty="0" smtClean="0"/>
+          </a:p>
+          <a:p>
+            <a:pPr marL="0" indent="0">
+              <a:buNone/>
+            </a:pPr>
+            <a:r>
+              <a:rPr lang="pt-BR" dirty="0" smtClean="0"/>
+              <a:t>Pré-Condições: </a:t>
+            </a:r>
+            <a:r>
+              <a:rPr lang="pt-BR" dirty="0"/>
+              <a:t>Tela do almoxarifado, já está </a:t>
+            </a:r>
+            <a:r>
+              <a:rPr lang="pt-BR" dirty="0" smtClean="0"/>
+              <a:t>aberta</a:t>
+            </a:r>
+          </a:p>
+          <a:p>
+            <a:pPr marL="0" indent="0">
+              <a:buNone/>
+            </a:pPr>
+            <a:endParaRPr lang="pt-BR" dirty="0"/>
+          </a:p>
+          <a:p>
+            <a:pPr marL="0" indent="0">
+              <a:buNone/>
+            </a:pPr>
+            <a:r>
+              <a:rPr lang="pt-BR" dirty="0" smtClean="0"/>
+              <a:t>Passos do Teste:</a:t>
+            </a:r>
+          </a:p>
+          <a:p>
+            <a:pPr marL="0" indent="0">
+              <a:buNone/>
+            </a:pPr>
+            <a:r>
+              <a:rPr lang="pt-BR" dirty="0" smtClean="0"/>
+              <a:t>1- Ao inserir o campo ID | </a:t>
+            </a:r>
+            <a:r>
+              <a:rPr lang="pt-BR" dirty="0"/>
+              <a:t>RE </a:t>
+            </a:r>
+            <a:r>
+              <a:rPr lang="pt-BR" dirty="0" smtClean="0"/>
+              <a:t>: Valores inteiros</a:t>
+            </a:r>
+            <a:endParaRPr lang="pt-BR" dirty="0"/>
+          </a:p>
+        </p:txBody>
+      </p:sp>
+    </p:spTree>
+    <p:extLst>
+      <p:ext uri="{BB962C8B-B14F-4D97-AF65-F5344CB8AC3E}">
+        <p14:creationId xmlns:p14="http://schemas.microsoft.com/office/powerpoint/2010/main" val="2729503205"/>
+      </p:ext>
+    </p:extLst>
+  </p:cSld>
+  <p:clrMapOvr>
+    <a:masterClrMapping/>
+  </p:clrMapOvr>
+</p:sld>
+</file>
+
+<file path=ppt/slides/slide12.xml><?xml version="1.0" encoding="utf-8"?>
+<p:sld xmlns:a="http://schemas.openxmlformats.org/drawingml/2006/main" xmlns:r="http://schemas.openxmlformats.org/officeDocument/2006/relationships" xmlns:p="http://schemas.openxmlformats.org/presentationml/2006/main">
+  <p:cSld>
+    <p:spTree>
+      <p:nvGrpSpPr>
+        <p:cNvPr id="1" name=""/>
+        <p:cNvGrpSpPr/>
+        <p:nvPr/>
+      </p:nvGrpSpPr>
+      <p:grpSpPr>
+        <a:xfrm>
+          <a:off x="0" y="0"/>
+          <a:ext cx="0" cy="0"/>
+          <a:chOff x="0" y="0"/>
+          <a:chExt cx="0" cy="0"/>
+        </a:xfrm>
+      </p:grpSpPr>
+      <p:sp>
+        <p:nvSpPr>
+          <p:cNvPr id="2" name="Título 1"/>
+          <p:cNvSpPr>
+            <a:spLocks noGrp="1"/>
+          </p:cNvSpPr>
+          <p:nvPr>
+            <p:ph type="title"/>
+          </p:nvPr>
+        </p:nvSpPr>
+        <p:spPr/>
+        <p:txBody>
+          <a:bodyPr/>
+          <a:lstStyle/>
+          <a:p>
+            <a:r>
+              <a:rPr lang="pt-BR" dirty="0" smtClean="0"/>
+              <a:t>Caso de Teste</a:t>
+            </a:r>
+            <a:endParaRPr lang="pt-BR" dirty="0"/>
+          </a:p>
+        </p:txBody>
+      </p:sp>
+      <p:sp>
+        <p:nvSpPr>
+          <p:cNvPr id="3" name="Espaço Reservado para Conteúdo 2"/>
+          <p:cNvSpPr>
+            <a:spLocks noGrp="1"/>
+          </p:cNvSpPr>
+          <p:nvPr>
+            <p:ph idx="1"/>
+          </p:nvPr>
+        </p:nvSpPr>
+        <p:spPr/>
+        <p:txBody>
+          <a:bodyPr>
+            <a:normAutofit fontScale="92500" lnSpcReduction="10000"/>
+          </a:bodyPr>
+          <a:lstStyle/>
+          <a:p>
+            <a:r>
+              <a:rPr lang="pt-BR" dirty="0"/>
+              <a:t>CT01: Tela Requisição &gt; Campos</a:t>
+            </a:r>
+          </a:p>
+          <a:p>
+            <a:pPr marL="0" indent="0">
+              <a:buNone/>
+            </a:pPr>
+            <a:r>
+              <a:rPr lang="pt-BR" dirty="0"/>
+              <a:t>   RN: </a:t>
+            </a:r>
+            <a:r>
+              <a:rPr lang="pt-BR" dirty="0" smtClean="0"/>
+              <a:t>RN04</a:t>
+            </a:r>
+            <a:endParaRPr lang="pt-BR" dirty="0"/>
+          </a:p>
+          <a:p>
+            <a:endParaRPr lang="pt-BR" dirty="0" smtClean="0"/>
+          </a:p>
+          <a:p>
+            <a:pPr marL="0" lvl="0" indent="0">
+              <a:lnSpc>
+                <a:spcPct val="100000"/>
+              </a:lnSpc>
+              <a:spcBef>
+                <a:spcPts val="0"/>
+              </a:spcBef>
+              <a:buNone/>
+              <a:defRPr/>
+            </a:pPr>
+            <a:r>
+              <a:rPr lang="pt-BR" dirty="0"/>
+              <a:t>Resultado Esperado</a:t>
+            </a:r>
+            <a:r>
+              <a:rPr lang="pt-BR" dirty="0" smtClean="0"/>
+              <a:t>: </a:t>
+            </a:r>
+            <a:r>
+              <a:rPr lang="pt-BR" dirty="0"/>
+              <a:t>Ao carregar a tela os dados da Categoria Motivo devem ser carregados da API.</a:t>
+            </a:r>
+          </a:p>
+          <a:p>
+            <a:pPr marL="0" indent="0">
+              <a:buNone/>
+            </a:pPr>
+            <a:endParaRPr lang="pt-BR" dirty="0"/>
+          </a:p>
+          <a:p>
+            <a:pPr marL="0" indent="0">
+              <a:buNone/>
+            </a:pPr>
+            <a:r>
+              <a:rPr lang="pt-BR" dirty="0" smtClean="0"/>
+              <a:t>Pré-Condições: </a:t>
+            </a:r>
+            <a:r>
+              <a:rPr lang="pt-BR" dirty="0"/>
+              <a:t>Tela do almoxarifado, já está </a:t>
+            </a:r>
+            <a:r>
+              <a:rPr lang="pt-BR" dirty="0" smtClean="0"/>
+              <a:t>aberta</a:t>
+            </a:r>
+          </a:p>
+          <a:p>
+            <a:pPr marL="0" indent="0">
+              <a:buNone/>
+            </a:pPr>
+            <a:endParaRPr lang="pt-BR" dirty="0"/>
+          </a:p>
+          <a:p>
+            <a:pPr marL="0" indent="0">
+              <a:buNone/>
+            </a:pPr>
+            <a:r>
+              <a:rPr lang="pt-BR" dirty="0" smtClean="0"/>
+              <a:t>Passos do Teste:</a:t>
+            </a:r>
+          </a:p>
+          <a:p>
+            <a:pPr marL="0" indent="0">
+              <a:buNone/>
+            </a:pPr>
+            <a:r>
+              <a:rPr lang="pt-BR" dirty="0" smtClean="0"/>
+              <a:t>1- Clicar Categoria Motivo| </a:t>
+            </a:r>
+            <a:r>
+              <a:rPr lang="pt-BR" dirty="0"/>
+              <a:t>RE </a:t>
+            </a:r>
+            <a:r>
+              <a:rPr lang="pt-BR" dirty="0" smtClean="0"/>
+              <a:t>:  Ser carregados da API</a:t>
+            </a:r>
+            <a:endParaRPr lang="pt-BR" dirty="0"/>
+          </a:p>
+        </p:txBody>
+      </p:sp>
+    </p:spTree>
+    <p:extLst>
+      <p:ext uri="{BB962C8B-B14F-4D97-AF65-F5344CB8AC3E}">
+        <p14:creationId xmlns:p14="http://schemas.microsoft.com/office/powerpoint/2010/main" val="561271475"/>
+      </p:ext>
+    </p:extLst>
+  </p:cSld>
+  <p:clrMapOvr>
+    <a:masterClrMapping/>
+  </p:clrMapOvr>
+</p:sld>
+</file>
+
+<file path=ppt/slides/slide13.xml><?xml version="1.0" encoding="utf-8"?>
+<p:sld xmlns:a="http://schemas.openxmlformats.org/drawingml/2006/main" xmlns:r="http://schemas.openxmlformats.org/officeDocument/2006/relationships" xmlns:p="http://schemas.openxmlformats.org/presentationml/2006/main">
+  <p:cSld>
+    <p:spTree>
+      <p:nvGrpSpPr>
+        <p:cNvPr id="1" name=""/>
+        <p:cNvGrpSpPr/>
+        <p:nvPr/>
+      </p:nvGrpSpPr>
+      <p:grpSpPr>
+        <a:xfrm>
+          <a:off x="0" y="0"/>
+          <a:ext cx="0" cy="0"/>
+          <a:chOff x="0" y="0"/>
+          <a:chExt cx="0" cy="0"/>
+        </a:xfrm>
+      </p:grpSpPr>
+      <p:sp>
+        <p:nvSpPr>
+          <p:cNvPr id="2" name="Título 1"/>
+          <p:cNvSpPr>
+            <a:spLocks noGrp="1"/>
+          </p:cNvSpPr>
+          <p:nvPr>
+            <p:ph type="title"/>
+          </p:nvPr>
+        </p:nvSpPr>
+        <p:spPr/>
+        <p:txBody>
+          <a:bodyPr/>
+          <a:lstStyle/>
+          <a:p>
+            <a:r>
+              <a:rPr lang="pt-BR" dirty="0" smtClean="0"/>
+              <a:t>Caso de Teste</a:t>
+            </a:r>
+            <a:endParaRPr lang="pt-BR" dirty="0"/>
+          </a:p>
+        </p:txBody>
+      </p:sp>
+      <p:sp>
+        <p:nvSpPr>
+          <p:cNvPr id="3" name="Espaço Reservado para Conteúdo 2"/>
+          <p:cNvSpPr>
+            <a:spLocks noGrp="1"/>
+          </p:cNvSpPr>
+          <p:nvPr>
+            <p:ph idx="1"/>
+          </p:nvPr>
+        </p:nvSpPr>
+        <p:spPr/>
+        <p:txBody>
+          <a:bodyPr>
+            <a:normAutofit fontScale="77500" lnSpcReduction="20000"/>
+          </a:bodyPr>
+          <a:lstStyle/>
+          <a:p>
+            <a:r>
+              <a:rPr lang="pt-BR" dirty="0" smtClean="0"/>
+              <a:t>CT02: </a:t>
+            </a:r>
+            <a:r>
+              <a:rPr lang="pt-BR" dirty="0"/>
+              <a:t>Tela Requisição &gt; </a:t>
+            </a:r>
+            <a:r>
+              <a:rPr lang="pt-BR" dirty="0" smtClean="0"/>
+              <a:t>Motivo</a:t>
+            </a:r>
+            <a:endParaRPr lang="pt-BR" dirty="0"/>
+          </a:p>
+          <a:p>
+            <a:pPr marL="0" indent="0">
+              <a:buNone/>
+            </a:pPr>
+            <a:r>
+              <a:rPr lang="pt-BR" dirty="0"/>
+              <a:t>   RN: </a:t>
+            </a:r>
+            <a:r>
+              <a:rPr lang="pt-BR" dirty="0" smtClean="0"/>
+              <a:t>RN05</a:t>
+            </a:r>
+            <a:endParaRPr lang="pt-BR" dirty="0"/>
+          </a:p>
+          <a:p>
+            <a:endParaRPr lang="pt-BR" dirty="0" smtClean="0"/>
+          </a:p>
+          <a:p>
+            <a:pPr marL="0" lvl="0" indent="0">
+              <a:buNone/>
+            </a:pPr>
+            <a:r>
+              <a:rPr lang="pt-BR" dirty="0"/>
+              <a:t>Resultado Esperado</a:t>
+            </a:r>
+            <a:r>
+              <a:rPr lang="pt-BR" dirty="0" smtClean="0"/>
+              <a:t>: </a:t>
+            </a:r>
+            <a:r>
+              <a:rPr lang="pt-BR" dirty="0"/>
+              <a:t>Ao alterar os dados de uma categoria do motivo o campo motivo deve exibir somente os motivos da categoria selecionada</a:t>
+            </a:r>
+            <a:r>
+              <a:rPr lang="pt-BR" dirty="0" smtClean="0"/>
+              <a:t>.</a:t>
+            </a:r>
+            <a:r>
+              <a:rPr lang="pt-BR" dirty="0"/>
+              <a:t> Se </a:t>
+            </a:r>
+            <a:r>
+              <a:rPr lang="pt-BR" dirty="0" smtClean="0"/>
+              <a:t>a </a:t>
+            </a:r>
+            <a:r>
+              <a:rPr lang="pt-BR" dirty="0"/>
+              <a:t>categoria não estiver nenhum motivo correspondente o campo </a:t>
+            </a:r>
+            <a:r>
+              <a:rPr lang="pt-BR" dirty="0" smtClean="0"/>
+              <a:t>motivo </a:t>
+            </a:r>
+            <a:r>
+              <a:rPr lang="pt-BR" dirty="0"/>
+              <a:t>deve ficar desabilitado e com a cor de fundo cinza.</a:t>
+            </a:r>
+            <a:endParaRPr lang="pt-BR" dirty="0" smtClean="0"/>
+          </a:p>
+          <a:p>
+            <a:pPr marL="0" indent="0">
+              <a:buNone/>
+            </a:pPr>
+            <a:endParaRPr lang="pt-BR" dirty="0"/>
+          </a:p>
+          <a:p>
+            <a:pPr marL="0" indent="0">
+              <a:buNone/>
+            </a:pPr>
+            <a:r>
+              <a:rPr lang="pt-BR" dirty="0" smtClean="0"/>
+              <a:t>Pré-Condições: </a:t>
+            </a:r>
+            <a:r>
+              <a:rPr lang="pt-BR" dirty="0"/>
+              <a:t>Tela do almoxarifado, já está </a:t>
+            </a:r>
+            <a:r>
+              <a:rPr lang="pt-BR" dirty="0" smtClean="0"/>
+              <a:t>aberta</a:t>
+            </a:r>
+          </a:p>
+          <a:p>
+            <a:pPr marL="0" indent="0">
+              <a:buNone/>
+            </a:pPr>
+            <a:endParaRPr lang="pt-BR" dirty="0"/>
+          </a:p>
+          <a:p>
+            <a:pPr marL="0" indent="0">
+              <a:buNone/>
+            </a:pPr>
+            <a:r>
+              <a:rPr lang="pt-BR" dirty="0" smtClean="0"/>
+              <a:t>Passos do Teste:</a:t>
+            </a:r>
+          </a:p>
+          <a:p>
+            <a:pPr marL="0" indent="0">
+              <a:buNone/>
+            </a:pPr>
+            <a:r>
+              <a:rPr lang="pt-BR" dirty="0" smtClean="0"/>
+              <a:t>1- Categoria Motivo | </a:t>
+            </a:r>
+            <a:r>
+              <a:rPr lang="pt-BR" dirty="0"/>
+              <a:t>RE </a:t>
+            </a:r>
+            <a:r>
+              <a:rPr lang="pt-BR" dirty="0" smtClean="0"/>
+              <a:t>: O campo motivo </a:t>
+            </a:r>
+            <a:r>
+              <a:rPr lang="pt-BR" dirty="0"/>
+              <a:t>deve exibir somente os motivos da categoria selecionada</a:t>
+            </a:r>
+            <a:r>
+              <a:rPr lang="pt-BR" dirty="0" smtClean="0"/>
+              <a:t>.</a:t>
+            </a:r>
+          </a:p>
+          <a:p>
+            <a:pPr marL="0" indent="0">
+              <a:buNone/>
+            </a:pPr>
+            <a:endParaRPr lang="pt-BR" dirty="0"/>
+          </a:p>
+        </p:txBody>
+      </p:sp>
+    </p:spTree>
+    <p:extLst>
+      <p:ext uri="{BB962C8B-B14F-4D97-AF65-F5344CB8AC3E}">
+        <p14:creationId xmlns:p14="http://schemas.microsoft.com/office/powerpoint/2010/main" val="4237355517"/>
+      </p:ext>
+    </p:extLst>
+  </p:cSld>
+  <p:clrMapOvr>
+    <a:masterClrMapping/>
+  </p:clrMapOvr>
+</p:sld>
+</file>
+
+<file path=ppt/slides/slide14.xml><?xml version="1.0" encoding="utf-8"?>
+<p:sld xmlns:a="http://schemas.openxmlformats.org/drawingml/2006/main" xmlns:r="http://schemas.openxmlformats.org/officeDocument/2006/relationships" xmlns:p="http://schemas.openxmlformats.org/presentationml/2006/main">
+  <p:cSld>
+    <p:spTree>
+      <p:nvGrpSpPr>
+        <p:cNvPr id="1" name=""/>
+        <p:cNvGrpSpPr/>
+        <p:nvPr/>
+      </p:nvGrpSpPr>
+      <p:grpSpPr>
+        <a:xfrm>
+          <a:off x="0" y="0"/>
+          <a:ext cx="0" cy="0"/>
+          <a:chOff x="0" y="0"/>
+          <a:chExt cx="0" cy="0"/>
+        </a:xfrm>
+      </p:grpSpPr>
+      <p:sp>
+        <p:nvSpPr>
+          <p:cNvPr id="2" name="Título 1"/>
+          <p:cNvSpPr>
+            <a:spLocks noGrp="1"/>
+          </p:cNvSpPr>
+          <p:nvPr>
+            <p:ph type="title"/>
+          </p:nvPr>
+        </p:nvSpPr>
+        <p:spPr/>
+        <p:txBody>
+          <a:bodyPr/>
+          <a:lstStyle/>
+          <a:p>
+            <a:r>
+              <a:rPr lang="pt-BR" dirty="0" smtClean="0"/>
+              <a:t>Caso de Teste</a:t>
+            </a:r>
+            <a:endParaRPr lang="pt-BR" dirty="0"/>
+          </a:p>
+        </p:txBody>
+      </p:sp>
+      <p:sp>
+        <p:nvSpPr>
+          <p:cNvPr id="3" name="Espaço Reservado para Conteúdo 2"/>
+          <p:cNvSpPr>
+            <a:spLocks noGrp="1"/>
+          </p:cNvSpPr>
+          <p:nvPr>
+            <p:ph idx="1"/>
+          </p:nvPr>
+        </p:nvSpPr>
+        <p:spPr/>
+        <p:txBody>
+          <a:bodyPr>
+            <a:normAutofit fontScale="85000" lnSpcReduction="20000"/>
+          </a:bodyPr>
+          <a:lstStyle/>
+          <a:p>
+            <a:r>
+              <a:rPr lang="pt-BR" dirty="0" smtClean="0"/>
+              <a:t>CT03: </a:t>
+            </a:r>
+            <a:r>
+              <a:rPr lang="pt-BR" dirty="0"/>
+              <a:t>Tela Requisição &gt; </a:t>
+            </a:r>
+            <a:r>
+              <a:rPr lang="pt-BR" dirty="0" smtClean="0"/>
+              <a:t>Departamento</a:t>
+            </a:r>
+            <a:endParaRPr lang="pt-BR" dirty="0"/>
+          </a:p>
+          <a:p>
+            <a:pPr marL="0" indent="0">
+              <a:buNone/>
+            </a:pPr>
+            <a:r>
+              <a:rPr lang="pt-BR" dirty="0"/>
+              <a:t>   RN: </a:t>
+            </a:r>
+            <a:r>
+              <a:rPr lang="pt-BR" dirty="0" smtClean="0"/>
+              <a:t>RN06</a:t>
+            </a:r>
+            <a:endParaRPr lang="pt-BR" dirty="0"/>
+          </a:p>
+          <a:p>
+            <a:endParaRPr lang="pt-BR" dirty="0" smtClean="0"/>
+          </a:p>
+          <a:p>
+            <a:pPr marL="0" lvl="0" indent="0">
+              <a:buNone/>
+            </a:pPr>
+            <a:r>
+              <a:rPr lang="pt-BR" dirty="0"/>
+              <a:t>Resultado Esperado</a:t>
+            </a:r>
+            <a:r>
+              <a:rPr lang="pt-BR" dirty="0" smtClean="0"/>
+              <a:t>: </a:t>
+            </a:r>
+            <a:r>
+              <a:rPr lang="pt-BR" dirty="0"/>
+              <a:t>Ao digitar um código no campo [ID] e esse existe na base de dados ou API o sistema deve exibir a descrição do departamento no campo Departamento. </a:t>
+            </a:r>
+            <a:r>
+              <a:rPr lang="pt-BR" dirty="0" smtClean="0"/>
+              <a:t> </a:t>
+            </a:r>
+          </a:p>
+          <a:p>
+            <a:pPr marL="0" lvl="0" indent="0">
+              <a:buNone/>
+            </a:pPr>
+            <a:endParaRPr lang="pt-BR" dirty="0"/>
+          </a:p>
+          <a:p>
+            <a:pPr marL="0" indent="0">
+              <a:buNone/>
+            </a:pPr>
+            <a:r>
+              <a:rPr lang="pt-BR" dirty="0" smtClean="0"/>
+              <a:t>Pré-Condições: </a:t>
+            </a:r>
+            <a:r>
+              <a:rPr lang="pt-BR" dirty="0"/>
+              <a:t>Tela do almoxarifado, já está </a:t>
+            </a:r>
+            <a:r>
+              <a:rPr lang="pt-BR" dirty="0" smtClean="0"/>
+              <a:t>aberta</a:t>
+            </a:r>
+          </a:p>
+          <a:p>
+            <a:pPr marL="0" indent="0">
+              <a:buNone/>
+            </a:pPr>
+            <a:endParaRPr lang="pt-BR" dirty="0"/>
+          </a:p>
+          <a:p>
+            <a:pPr marL="0" indent="0">
+              <a:buNone/>
+            </a:pPr>
+            <a:r>
+              <a:rPr lang="pt-BR" dirty="0" smtClean="0"/>
+              <a:t>Passos do Teste:</a:t>
+            </a:r>
+          </a:p>
+          <a:p>
+            <a:pPr marL="0" lvl="0" indent="0">
+              <a:buNone/>
+            </a:pPr>
+            <a:r>
+              <a:rPr lang="pt-BR" dirty="0" smtClean="0"/>
+              <a:t>1- Campo ID | </a:t>
+            </a:r>
+            <a:r>
+              <a:rPr lang="pt-BR" dirty="0"/>
+              <a:t>RE </a:t>
+            </a:r>
+            <a:r>
+              <a:rPr lang="pt-BR" dirty="0" smtClean="0"/>
+              <a:t>: O </a:t>
+            </a:r>
+            <a:r>
+              <a:rPr lang="pt-BR" dirty="0"/>
+              <a:t>sistema deve exibir a descrição do departamento no campo Departamento.  </a:t>
+            </a:r>
+          </a:p>
+          <a:p>
+            <a:pPr marL="0" lvl="0" indent="0">
+              <a:buNone/>
+            </a:pPr>
+            <a:endParaRPr lang="pt-BR" dirty="0"/>
+          </a:p>
+          <a:p>
+            <a:pPr marL="0" indent="0">
+              <a:buNone/>
+            </a:pPr>
+            <a:endParaRPr lang="pt-BR" dirty="0"/>
+          </a:p>
+        </p:txBody>
+      </p:sp>
+    </p:spTree>
+    <p:extLst>
+      <p:ext uri="{BB962C8B-B14F-4D97-AF65-F5344CB8AC3E}">
+        <p14:creationId xmlns:p14="http://schemas.microsoft.com/office/powerpoint/2010/main" val="1062932646"/>
+      </p:ext>
+    </p:extLst>
+  </p:cSld>
+  <p:clrMapOvr>
+    <a:masterClrMapping/>
+  </p:clrMapOvr>
+</p:sld>
+</file>
+
+<file path=ppt/slides/slide15.xml><?xml version="1.0" encoding="utf-8"?>
+<p:sld xmlns:a="http://schemas.openxmlformats.org/drawingml/2006/main" xmlns:r="http://schemas.openxmlformats.org/officeDocument/2006/relationships" xmlns:p="http://schemas.openxmlformats.org/presentationml/2006/main">
+  <p:cSld>
+    <p:spTree>
+      <p:nvGrpSpPr>
+        <p:cNvPr id="1" name=""/>
+        <p:cNvGrpSpPr/>
+        <p:nvPr/>
+      </p:nvGrpSpPr>
+      <p:grpSpPr>
+        <a:xfrm>
+          <a:off x="0" y="0"/>
+          <a:ext cx="0" cy="0"/>
+          <a:chOff x="0" y="0"/>
+          <a:chExt cx="0" cy="0"/>
+        </a:xfrm>
+      </p:grpSpPr>
+      <p:sp>
+        <p:nvSpPr>
+          <p:cNvPr id="2" name="Título 1"/>
+          <p:cNvSpPr>
+            <a:spLocks noGrp="1"/>
+          </p:cNvSpPr>
+          <p:nvPr>
+            <p:ph type="title"/>
+          </p:nvPr>
+        </p:nvSpPr>
+        <p:spPr/>
+        <p:txBody>
+          <a:bodyPr/>
+          <a:lstStyle/>
+          <a:p>
+            <a:r>
+              <a:rPr lang="pt-BR" dirty="0" smtClean="0"/>
+              <a:t>Caso de Teste</a:t>
+            </a:r>
+            <a:endParaRPr lang="pt-BR" dirty="0"/>
+          </a:p>
+        </p:txBody>
+      </p:sp>
+      <p:sp>
+        <p:nvSpPr>
+          <p:cNvPr id="3" name="Espaço Reservado para Conteúdo 2"/>
+          <p:cNvSpPr>
+            <a:spLocks noGrp="1"/>
+          </p:cNvSpPr>
+          <p:nvPr>
+            <p:ph idx="1"/>
+          </p:nvPr>
+        </p:nvSpPr>
+        <p:spPr/>
+        <p:txBody>
+          <a:bodyPr>
+            <a:normAutofit fontScale="77500" lnSpcReduction="20000"/>
+          </a:bodyPr>
+          <a:lstStyle/>
+          <a:p>
+            <a:pPr lvl="0"/>
+            <a:r>
+              <a:rPr lang="pt-BR" dirty="0" smtClean="0"/>
+              <a:t>CT04: </a:t>
+            </a:r>
+            <a:r>
+              <a:rPr lang="pt-BR" dirty="0"/>
+              <a:t>Tela Requisição &gt; [ ID </a:t>
+            </a:r>
+            <a:r>
+              <a:rPr lang="pt-BR" dirty="0" err="1"/>
+              <a:t>Fun</a:t>
+            </a:r>
+            <a:r>
+              <a:rPr lang="pt-BR" dirty="0"/>
+              <a:t>] [Nome </a:t>
+            </a:r>
+            <a:r>
+              <a:rPr lang="pt-BR" dirty="0" err="1"/>
+              <a:t>Funcionario</a:t>
+            </a:r>
+            <a:r>
+              <a:rPr lang="pt-BR" dirty="0"/>
+              <a:t>]</a:t>
+            </a:r>
+          </a:p>
+          <a:p>
+            <a:pPr marL="0" indent="0">
+              <a:buNone/>
+            </a:pPr>
+            <a:r>
+              <a:rPr lang="pt-BR" dirty="0" smtClean="0"/>
+              <a:t>   RN</a:t>
+            </a:r>
+            <a:r>
+              <a:rPr lang="pt-BR" dirty="0"/>
+              <a:t>: </a:t>
+            </a:r>
+            <a:r>
+              <a:rPr lang="pt-BR" dirty="0" smtClean="0"/>
+              <a:t>RN07</a:t>
+            </a:r>
+            <a:endParaRPr lang="pt-BR" dirty="0"/>
+          </a:p>
+          <a:p>
+            <a:endParaRPr lang="pt-BR" dirty="0" smtClean="0"/>
+          </a:p>
+          <a:p>
+            <a:pPr marL="0" lvl="0" indent="0">
+              <a:lnSpc>
+                <a:spcPct val="100000"/>
+              </a:lnSpc>
+              <a:spcBef>
+                <a:spcPts val="0"/>
+              </a:spcBef>
+              <a:buNone/>
+              <a:defRPr/>
+            </a:pPr>
+            <a:r>
+              <a:rPr lang="pt-BR" dirty="0"/>
+              <a:t>Resultado Esperado</a:t>
+            </a:r>
+            <a:r>
+              <a:rPr lang="pt-BR" dirty="0" smtClean="0"/>
+              <a:t>: </a:t>
+            </a:r>
+            <a:r>
+              <a:rPr lang="pt-BR" dirty="0"/>
+              <a:t>Ao digitar um código no campo ID </a:t>
+            </a:r>
+            <a:r>
+              <a:rPr lang="pt-BR" dirty="0" err="1"/>
+              <a:t>Func</a:t>
+            </a:r>
+            <a:r>
+              <a:rPr lang="pt-BR" dirty="0"/>
+              <a:t> e esse existe na base de dados ou API o sistema deve exibir o nome do funcionário no campo [Nome  </a:t>
+            </a:r>
+            <a:r>
+              <a:rPr lang="pt-BR" dirty="0" err="1"/>
+              <a:t>Funcionario</a:t>
+            </a:r>
+            <a:r>
+              <a:rPr lang="pt-BR" dirty="0"/>
+              <a:t>]. Se ao digitar um código, o mesmo não existir, logo o campo [Nome </a:t>
+            </a:r>
+            <a:r>
+              <a:rPr lang="pt-BR" dirty="0" err="1"/>
+              <a:t>Funcionario</a:t>
+            </a:r>
+            <a:r>
+              <a:rPr lang="pt-BR" dirty="0"/>
+              <a:t>] fica vazio.</a:t>
+            </a:r>
+          </a:p>
+          <a:p>
+            <a:pPr marL="0" indent="0">
+              <a:buNone/>
+            </a:pPr>
+            <a:endParaRPr lang="pt-BR" dirty="0"/>
+          </a:p>
+          <a:p>
+            <a:pPr marL="0" indent="0">
+              <a:buNone/>
+            </a:pPr>
+            <a:r>
+              <a:rPr lang="pt-BR" dirty="0" smtClean="0"/>
+              <a:t>Pré-Condições: </a:t>
+            </a:r>
+            <a:r>
+              <a:rPr lang="pt-BR" dirty="0"/>
+              <a:t>Tela do almoxarifado, já está </a:t>
+            </a:r>
+            <a:r>
+              <a:rPr lang="pt-BR" dirty="0" smtClean="0"/>
+              <a:t>aberta</a:t>
+            </a:r>
+          </a:p>
+          <a:p>
+            <a:pPr marL="0" indent="0">
+              <a:buNone/>
+            </a:pPr>
+            <a:endParaRPr lang="pt-BR" dirty="0"/>
+          </a:p>
+          <a:p>
+            <a:pPr marL="0" indent="0">
+              <a:buNone/>
+            </a:pPr>
+            <a:r>
+              <a:rPr lang="pt-BR" dirty="0" smtClean="0"/>
+              <a:t>Passos do Teste:</a:t>
+            </a:r>
+          </a:p>
+          <a:p>
+            <a:pPr marL="0" indent="0">
+              <a:buNone/>
+            </a:pPr>
+            <a:r>
+              <a:rPr lang="pt-BR" dirty="0" smtClean="0"/>
+              <a:t>1- Campo ID </a:t>
+            </a:r>
+            <a:r>
+              <a:rPr lang="pt-BR" dirty="0" err="1" smtClean="0"/>
+              <a:t>Func</a:t>
+            </a:r>
+            <a:r>
+              <a:rPr lang="pt-BR" dirty="0" smtClean="0"/>
+              <a:t> | </a:t>
+            </a:r>
+            <a:r>
+              <a:rPr lang="pt-BR" dirty="0"/>
+              <a:t>RE </a:t>
+            </a:r>
+            <a:r>
+              <a:rPr lang="pt-BR" dirty="0" smtClean="0"/>
+              <a:t>: O </a:t>
+            </a:r>
+            <a:r>
+              <a:rPr lang="pt-BR" dirty="0"/>
+              <a:t>sistema deve exibir o nome do funcionário no campo [Nome  </a:t>
+            </a:r>
+            <a:r>
+              <a:rPr lang="pt-BR" dirty="0" err="1"/>
+              <a:t>Funcionario</a:t>
+            </a:r>
+            <a:r>
+              <a:rPr lang="pt-BR" dirty="0"/>
+              <a:t>]. </a:t>
+            </a:r>
+            <a:endParaRPr lang="pt-BR" dirty="0" smtClean="0"/>
+          </a:p>
+          <a:p>
+            <a:pPr marL="0" indent="0">
+              <a:buNone/>
+            </a:pPr>
+            <a:endParaRPr lang="pt-BR" dirty="0"/>
+          </a:p>
+        </p:txBody>
+      </p:sp>
+    </p:spTree>
+    <p:extLst>
+      <p:ext uri="{BB962C8B-B14F-4D97-AF65-F5344CB8AC3E}">
+        <p14:creationId xmlns:p14="http://schemas.microsoft.com/office/powerpoint/2010/main" val="3204363088"/>
+      </p:ext>
+    </p:extLst>
+  </p:cSld>
+  <p:clrMapOvr>
+    <a:masterClrMapping/>
+  </p:clrMapOvr>
+</p:sld>
+</file>
+
+<file path=ppt/slides/slide16.xml><?xml version="1.0" encoding="utf-8"?>
+<p:sld xmlns:a="http://schemas.openxmlformats.org/drawingml/2006/main" xmlns:r="http://schemas.openxmlformats.org/officeDocument/2006/relationships" xmlns:p="http://schemas.openxmlformats.org/presentationml/2006/main">
+  <p:cSld>
+    <p:spTree>
+      <p:nvGrpSpPr>
+        <p:cNvPr id="1" name=""/>
+        <p:cNvGrpSpPr/>
+        <p:nvPr/>
+      </p:nvGrpSpPr>
+      <p:grpSpPr>
+        <a:xfrm>
+          <a:off x="0" y="0"/>
+          <a:ext cx="0" cy="0"/>
+          <a:chOff x="0" y="0"/>
+          <a:chExt cx="0" cy="0"/>
+        </a:xfrm>
+      </p:grpSpPr>
+      <p:sp>
+        <p:nvSpPr>
+          <p:cNvPr id="2" name="Título 1"/>
+          <p:cNvSpPr>
+            <a:spLocks noGrp="1"/>
+          </p:cNvSpPr>
+          <p:nvPr>
+            <p:ph type="title"/>
+          </p:nvPr>
+        </p:nvSpPr>
+        <p:spPr/>
+        <p:txBody>
+          <a:bodyPr/>
+          <a:lstStyle/>
+          <a:p>
+            <a:r>
+              <a:rPr lang="pt-BR" dirty="0" smtClean="0"/>
+              <a:t>Caso de Teste</a:t>
+            </a:r>
+            <a:endParaRPr lang="pt-BR" dirty="0"/>
+          </a:p>
+        </p:txBody>
+      </p:sp>
+      <p:sp>
+        <p:nvSpPr>
+          <p:cNvPr id="3" name="Espaço Reservado para Conteúdo 2"/>
+          <p:cNvSpPr>
+            <a:spLocks noGrp="1"/>
+          </p:cNvSpPr>
+          <p:nvPr>
+            <p:ph idx="1"/>
+          </p:nvPr>
+        </p:nvSpPr>
+        <p:spPr/>
+        <p:txBody>
+          <a:bodyPr>
+            <a:normAutofit fontScale="77500" lnSpcReduction="20000"/>
+          </a:bodyPr>
+          <a:lstStyle/>
+          <a:p>
+            <a:pPr lvl="0"/>
+            <a:r>
+              <a:rPr lang="pt-BR" dirty="0" smtClean="0"/>
+              <a:t> CT05: </a:t>
+            </a:r>
+            <a:r>
+              <a:rPr lang="pt-BR" dirty="0"/>
+              <a:t>Tela Requisição &gt; [ ID] [</a:t>
+            </a:r>
+            <a:r>
+              <a:rPr lang="pt-BR" dirty="0" err="1"/>
+              <a:t>Descricao</a:t>
+            </a:r>
+            <a:r>
+              <a:rPr lang="pt-BR" dirty="0"/>
+              <a:t> Produto] [Estoque</a:t>
+            </a:r>
+            <a:r>
+              <a:rPr lang="pt-BR" dirty="0" smtClean="0"/>
+              <a:t>]</a:t>
+            </a:r>
+            <a:endParaRPr lang="pt-BR" dirty="0"/>
+          </a:p>
+          <a:p>
+            <a:pPr marL="0" lvl="0" indent="0">
+              <a:lnSpc>
+                <a:spcPct val="100000"/>
+              </a:lnSpc>
+              <a:spcBef>
+                <a:spcPts val="0"/>
+              </a:spcBef>
+              <a:buNone/>
+              <a:defRPr/>
+            </a:pPr>
+            <a:r>
+              <a:rPr lang="pt-BR" dirty="0" smtClean="0"/>
+              <a:t>    RN</a:t>
+            </a:r>
+            <a:r>
+              <a:rPr lang="pt-BR" dirty="0"/>
+              <a:t>: </a:t>
+            </a:r>
+            <a:r>
+              <a:rPr lang="pt-BR" dirty="0" smtClean="0"/>
+              <a:t>RN08</a:t>
+            </a:r>
+            <a:endParaRPr lang="pt-BR" dirty="0"/>
+          </a:p>
+          <a:p>
+            <a:endParaRPr lang="pt-BR" dirty="0" smtClean="0"/>
+          </a:p>
+          <a:p>
+            <a:pPr marL="0" lvl="0" indent="0">
+              <a:lnSpc>
+                <a:spcPct val="100000"/>
+              </a:lnSpc>
+              <a:spcBef>
+                <a:spcPts val="0"/>
+              </a:spcBef>
+              <a:buNone/>
+              <a:defRPr/>
+            </a:pPr>
+            <a:r>
+              <a:rPr lang="pt-BR" dirty="0"/>
+              <a:t>Resultado Esperado</a:t>
+            </a:r>
+            <a:r>
+              <a:rPr lang="pt-BR" dirty="0" smtClean="0"/>
+              <a:t>: </a:t>
+            </a:r>
+            <a:r>
+              <a:rPr lang="pt-BR" dirty="0"/>
+              <a:t>Ao digitar um código no campo </a:t>
+            </a:r>
+            <a:r>
+              <a:rPr lang="pt-BR" dirty="0" err="1"/>
+              <a:t>Cod</a:t>
+            </a:r>
+            <a:r>
+              <a:rPr lang="pt-BR" dirty="0"/>
+              <a:t> Produto e esse existe na base de dados ou API o sistema deve exibir o nome do Produto e no campo [Estoque] a quantidade de itens em seu estoque. Se o código não existir, os campos Descrição do Produto e Estoque devem ficar em brancos.</a:t>
+            </a:r>
+          </a:p>
+          <a:p>
+            <a:pPr marL="0" indent="0">
+              <a:buNone/>
+            </a:pPr>
+            <a:endParaRPr lang="pt-BR" dirty="0"/>
+          </a:p>
+          <a:p>
+            <a:pPr marL="0" indent="0">
+              <a:buNone/>
+            </a:pPr>
+            <a:r>
+              <a:rPr lang="pt-BR" dirty="0" smtClean="0"/>
+              <a:t>Pré-Condições: </a:t>
+            </a:r>
+            <a:r>
+              <a:rPr lang="pt-BR" dirty="0"/>
+              <a:t>Tela do almoxarifado, já está </a:t>
+            </a:r>
+            <a:r>
+              <a:rPr lang="pt-BR" dirty="0" smtClean="0"/>
+              <a:t>aberta</a:t>
+            </a:r>
+          </a:p>
+          <a:p>
+            <a:pPr marL="0" indent="0">
+              <a:buNone/>
+            </a:pPr>
+            <a:endParaRPr lang="pt-BR" dirty="0"/>
+          </a:p>
+          <a:p>
+            <a:pPr marL="0" indent="0">
+              <a:buNone/>
+            </a:pPr>
+            <a:r>
+              <a:rPr lang="pt-BR" dirty="0" smtClean="0"/>
+              <a:t>Passos do Teste:</a:t>
+            </a:r>
+          </a:p>
+          <a:p>
+            <a:pPr marL="0" indent="0">
+              <a:buNone/>
+            </a:pPr>
+            <a:r>
+              <a:rPr lang="pt-BR" dirty="0" smtClean="0"/>
+              <a:t>1- Campo </a:t>
+            </a:r>
+            <a:r>
+              <a:rPr lang="pt-BR" dirty="0" err="1" smtClean="0"/>
+              <a:t>Cod</a:t>
+            </a:r>
+            <a:r>
+              <a:rPr lang="pt-BR" dirty="0" smtClean="0"/>
+              <a:t> Produto| </a:t>
+            </a:r>
+            <a:r>
+              <a:rPr lang="pt-BR" dirty="0"/>
+              <a:t>RE </a:t>
+            </a:r>
+            <a:r>
+              <a:rPr lang="pt-BR" dirty="0" smtClean="0"/>
+              <a:t>: O </a:t>
+            </a:r>
+            <a:r>
+              <a:rPr lang="pt-BR" dirty="0"/>
+              <a:t>sistema deve exibir o nome do Produto e no campo [Estoque] a quantidade de itens em seu estoque.</a:t>
+            </a:r>
+          </a:p>
+        </p:txBody>
+      </p:sp>
+    </p:spTree>
+    <p:extLst>
+      <p:ext uri="{BB962C8B-B14F-4D97-AF65-F5344CB8AC3E}">
+        <p14:creationId xmlns:p14="http://schemas.microsoft.com/office/powerpoint/2010/main" val="3526835381"/>
+      </p:ext>
+    </p:extLst>
+  </p:cSld>
+  <p:clrMapOvr>
+    <a:masterClrMapping/>
+  </p:clrMapOvr>
+</p:sld>
+</file>
+
+<file path=ppt/slides/slide17.xml><?xml version="1.0" encoding="utf-8"?>
+<p:sld xmlns:a="http://schemas.openxmlformats.org/drawingml/2006/main" xmlns:r="http://schemas.openxmlformats.org/officeDocument/2006/relationships" xmlns:p="http://schemas.openxmlformats.org/presentationml/2006/main">
+  <p:cSld>
+    <p:spTree>
+      <p:nvGrpSpPr>
+        <p:cNvPr id="1" name=""/>
+        <p:cNvGrpSpPr/>
+        <p:nvPr/>
+      </p:nvGrpSpPr>
+      <p:grpSpPr>
+        <a:xfrm>
+          <a:off x="0" y="0"/>
+          <a:ext cx="0" cy="0"/>
+          <a:chOff x="0" y="0"/>
+          <a:chExt cx="0" cy="0"/>
+        </a:xfrm>
+      </p:grpSpPr>
+      <p:sp>
+        <p:nvSpPr>
+          <p:cNvPr id="2" name="Título 1"/>
+          <p:cNvSpPr>
+            <a:spLocks noGrp="1"/>
+          </p:cNvSpPr>
+          <p:nvPr>
+            <p:ph type="title"/>
+          </p:nvPr>
+        </p:nvSpPr>
+        <p:spPr/>
+        <p:txBody>
+          <a:bodyPr/>
+          <a:lstStyle/>
+          <a:p>
+            <a:r>
+              <a:rPr lang="pt-BR" dirty="0" smtClean="0"/>
+              <a:t>Caso de Teste</a:t>
+            </a:r>
+            <a:endParaRPr lang="pt-BR" dirty="0"/>
+          </a:p>
+        </p:txBody>
+      </p:sp>
+      <p:sp>
+        <p:nvSpPr>
+          <p:cNvPr id="3" name="Espaço Reservado para Conteúdo 2"/>
+          <p:cNvSpPr>
+            <a:spLocks noGrp="1"/>
+          </p:cNvSpPr>
+          <p:nvPr>
+            <p:ph idx="1"/>
+          </p:nvPr>
+        </p:nvSpPr>
+        <p:spPr/>
+        <p:txBody>
+          <a:bodyPr>
+            <a:normAutofit fontScale="92500" lnSpcReduction="20000"/>
+          </a:bodyPr>
+          <a:lstStyle/>
+          <a:p>
+            <a:pPr marL="0" lvl="0" indent="0">
+              <a:lnSpc>
+                <a:spcPct val="100000"/>
+              </a:lnSpc>
+              <a:spcBef>
+                <a:spcPts val="0"/>
+              </a:spcBef>
+              <a:buNone/>
+              <a:defRPr/>
+            </a:pPr>
+            <a:r>
+              <a:rPr lang="pt-BR" dirty="0" smtClean="0"/>
+              <a:t>CT06: </a:t>
+            </a:r>
+            <a:r>
+              <a:rPr lang="pt-BR" dirty="0"/>
+              <a:t>Tela Requisição &gt; Campo [Quantidade]</a:t>
+            </a:r>
+          </a:p>
+          <a:p>
+            <a:pPr marL="0" indent="0">
+              <a:buNone/>
+            </a:pPr>
+            <a:r>
+              <a:rPr lang="pt-BR" dirty="0" smtClean="0"/>
+              <a:t> RN</a:t>
+            </a:r>
+            <a:r>
+              <a:rPr lang="pt-BR" dirty="0"/>
+              <a:t>: </a:t>
+            </a:r>
+            <a:r>
+              <a:rPr lang="pt-BR" dirty="0" smtClean="0"/>
+              <a:t>RN09</a:t>
+            </a:r>
+            <a:endParaRPr lang="pt-BR" dirty="0"/>
+          </a:p>
+          <a:p>
+            <a:endParaRPr lang="pt-BR" dirty="0" smtClean="0"/>
+          </a:p>
+          <a:p>
+            <a:pPr marL="0" lvl="0" indent="0">
+              <a:lnSpc>
+                <a:spcPct val="100000"/>
+              </a:lnSpc>
+              <a:spcBef>
+                <a:spcPts val="0"/>
+              </a:spcBef>
+              <a:buNone/>
+              <a:defRPr/>
+            </a:pPr>
+            <a:r>
+              <a:rPr lang="pt-BR" dirty="0"/>
+              <a:t>Resultado Esperado</a:t>
+            </a:r>
+            <a:r>
+              <a:rPr lang="pt-BR" dirty="0" smtClean="0"/>
+              <a:t>: </a:t>
+            </a:r>
+            <a:r>
+              <a:rPr lang="pt-BR" dirty="0"/>
+              <a:t>Campo quantidade só é habilitado, depois que um produto for localizado e quantidade em estoque for maior que zero.</a:t>
+            </a:r>
+          </a:p>
+          <a:p>
+            <a:pPr marL="0" indent="0">
+              <a:buNone/>
+            </a:pPr>
+            <a:endParaRPr lang="pt-BR" dirty="0"/>
+          </a:p>
+          <a:p>
+            <a:pPr marL="0" indent="0">
+              <a:buNone/>
+            </a:pPr>
+            <a:r>
+              <a:rPr lang="pt-BR" dirty="0" smtClean="0"/>
+              <a:t>Pré-Condições: </a:t>
+            </a:r>
+            <a:r>
+              <a:rPr lang="pt-BR" dirty="0"/>
+              <a:t>Tela do almoxarifado, já está </a:t>
+            </a:r>
+            <a:r>
+              <a:rPr lang="pt-BR" dirty="0" smtClean="0"/>
+              <a:t>aberta</a:t>
+            </a:r>
+          </a:p>
+          <a:p>
+            <a:pPr marL="0" indent="0">
+              <a:buNone/>
+            </a:pPr>
+            <a:endParaRPr lang="pt-BR" dirty="0"/>
+          </a:p>
+          <a:p>
+            <a:pPr marL="0" indent="0">
+              <a:buNone/>
+            </a:pPr>
+            <a:r>
+              <a:rPr lang="pt-BR" dirty="0" smtClean="0"/>
+              <a:t>Passos do Teste:</a:t>
+            </a:r>
+          </a:p>
+          <a:p>
+            <a:pPr marL="0" lvl="0" indent="0">
+              <a:buNone/>
+            </a:pPr>
+            <a:r>
+              <a:rPr lang="pt-BR" dirty="0" smtClean="0"/>
+              <a:t>1- </a:t>
+            </a:r>
+            <a:r>
+              <a:rPr lang="pt-BR" dirty="0" err="1" smtClean="0"/>
+              <a:t>Cod.Produto</a:t>
+            </a:r>
+            <a:r>
+              <a:rPr lang="pt-BR" dirty="0" smtClean="0"/>
+              <a:t> | </a:t>
+            </a:r>
+            <a:r>
+              <a:rPr lang="pt-BR" dirty="0"/>
+              <a:t>RE </a:t>
+            </a:r>
+            <a:r>
+              <a:rPr lang="pt-BR" dirty="0" smtClean="0"/>
+              <a:t>: Produto localizado </a:t>
+            </a:r>
+            <a:r>
+              <a:rPr lang="pt-BR" dirty="0"/>
+              <a:t>e quantidade em estoque for maior que zero.</a:t>
+            </a:r>
+          </a:p>
+          <a:p>
+            <a:pPr marL="0" indent="0">
+              <a:buNone/>
+            </a:pPr>
+            <a:endParaRPr lang="pt-BR" dirty="0" smtClean="0"/>
+          </a:p>
+          <a:p>
+            <a:pPr marL="0" indent="0">
+              <a:buNone/>
+            </a:pPr>
+            <a:endParaRPr lang="pt-BR" dirty="0"/>
+          </a:p>
+        </p:txBody>
+      </p:sp>
+    </p:spTree>
+    <p:extLst>
+      <p:ext uri="{BB962C8B-B14F-4D97-AF65-F5344CB8AC3E}">
+        <p14:creationId xmlns:p14="http://schemas.microsoft.com/office/powerpoint/2010/main" val="392340006"/>
+      </p:ext>
+    </p:extLst>
+  </p:cSld>
+  <p:clrMapOvr>
+    <a:masterClrMapping/>
+  </p:clrMapOvr>
+</p:sld>
+</file>
+
+<file path=ppt/slides/slide18.xml><?xml version="1.0" encoding="utf-8"?>
+<p:sld xmlns:a="http://schemas.openxmlformats.org/drawingml/2006/main" xmlns:r="http://schemas.openxmlformats.org/officeDocument/2006/relationships" xmlns:p="http://schemas.openxmlformats.org/presentationml/2006/main">
+  <p:cSld>
+    <p:spTree>
+      <p:nvGrpSpPr>
+        <p:cNvPr id="1" name=""/>
+        <p:cNvGrpSpPr/>
+        <p:nvPr/>
+      </p:nvGrpSpPr>
+      <p:grpSpPr>
+        <a:xfrm>
+          <a:off x="0" y="0"/>
+          <a:ext cx="0" cy="0"/>
+          <a:chOff x="0" y="0"/>
+          <a:chExt cx="0" cy="0"/>
+        </a:xfrm>
+      </p:grpSpPr>
+      <p:sp>
+        <p:nvSpPr>
+          <p:cNvPr id="2" name="Título 1"/>
+          <p:cNvSpPr>
+            <a:spLocks noGrp="1"/>
+          </p:cNvSpPr>
+          <p:nvPr>
+            <p:ph type="title"/>
+          </p:nvPr>
+        </p:nvSpPr>
+        <p:spPr/>
+        <p:txBody>
+          <a:bodyPr/>
+          <a:lstStyle/>
+          <a:p>
+            <a:r>
+              <a:rPr lang="pt-BR" dirty="0" smtClean="0"/>
+              <a:t>Caso de Teste</a:t>
+            </a:r>
+            <a:endParaRPr lang="pt-BR" dirty="0"/>
+          </a:p>
+        </p:txBody>
+      </p:sp>
+      <p:sp>
+        <p:nvSpPr>
+          <p:cNvPr id="3" name="Espaço Reservado para Conteúdo 2"/>
+          <p:cNvSpPr>
+            <a:spLocks noGrp="1"/>
+          </p:cNvSpPr>
+          <p:nvPr>
+            <p:ph idx="1"/>
+          </p:nvPr>
+        </p:nvSpPr>
+        <p:spPr/>
+        <p:txBody>
+          <a:bodyPr>
+            <a:normAutofit fontScale="92500" lnSpcReduction="10000"/>
+          </a:bodyPr>
+          <a:lstStyle/>
+          <a:p>
+            <a:pPr marL="0" lvl="0" indent="0">
+              <a:lnSpc>
+                <a:spcPct val="100000"/>
+              </a:lnSpc>
+              <a:spcBef>
+                <a:spcPts val="0"/>
+              </a:spcBef>
+              <a:buNone/>
+              <a:defRPr/>
+            </a:pPr>
+            <a:r>
+              <a:rPr lang="pt-BR" dirty="0" smtClean="0"/>
+              <a:t>CT06: </a:t>
+            </a:r>
+            <a:r>
+              <a:rPr lang="pt-BR" dirty="0"/>
+              <a:t>Tela Requisição &gt; Campo [Quantidade]</a:t>
+            </a:r>
+          </a:p>
+          <a:p>
+            <a:pPr marL="0" indent="0">
+              <a:buNone/>
+            </a:pPr>
+            <a:r>
+              <a:rPr lang="pt-BR" dirty="0" smtClean="0"/>
+              <a:t> RN</a:t>
+            </a:r>
+            <a:r>
+              <a:rPr lang="pt-BR" dirty="0"/>
+              <a:t>: </a:t>
+            </a:r>
+            <a:r>
+              <a:rPr lang="pt-BR" dirty="0" smtClean="0"/>
+              <a:t>RN10</a:t>
+            </a:r>
+            <a:endParaRPr lang="pt-BR" dirty="0"/>
+          </a:p>
+          <a:p>
+            <a:endParaRPr lang="pt-BR" dirty="0" smtClean="0"/>
+          </a:p>
+          <a:p>
+            <a:pPr marL="0" lvl="0" indent="0">
+              <a:lnSpc>
+                <a:spcPct val="100000"/>
+              </a:lnSpc>
+              <a:spcBef>
+                <a:spcPts val="0"/>
+              </a:spcBef>
+              <a:buNone/>
+              <a:defRPr/>
+            </a:pPr>
+            <a:r>
+              <a:rPr lang="pt-BR" dirty="0"/>
+              <a:t>Resultado Esperado</a:t>
+            </a:r>
+            <a:r>
+              <a:rPr lang="pt-BR" dirty="0" smtClean="0"/>
+              <a:t>: </a:t>
+            </a:r>
+            <a:r>
+              <a:rPr lang="pt-BR" dirty="0"/>
+              <a:t>O campo Quantidade só deve aceitar valores inteiros maior que zero.</a:t>
+            </a:r>
+          </a:p>
+          <a:p>
+            <a:pPr marL="0" indent="0">
+              <a:buNone/>
+            </a:pPr>
+            <a:endParaRPr lang="pt-BR" dirty="0"/>
+          </a:p>
+          <a:p>
+            <a:pPr marL="0" indent="0">
+              <a:buNone/>
+            </a:pPr>
+            <a:r>
+              <a:rPr lang="pt-BR" dirty="0" smtClean="0"/>
+              <a:t>Pré-Condições: </a:t>
+            </a:r>
+            <a:r>
+              <a:rPr lang="pt-BR" dirty="0"/>
+              <a:t>Tela do almoxarifado, já está </a:t>
+            </a:r>
+            <a:r>
+              <a:rPr lang="pt-BR" dirty="0" smtClean="0"/>
+              <a:t>aberta</a:t>
+            </a:r>
+          </a:p>
+          <a:p>
+            <a:pPr marL="0" indent="0">
+              <a:buNone/>
+            </a:pPr>
+            <a:endParaRPr lang="pt-BR" dirty="0"/>
+          </a:p>
+          <a:p>
+            <a:pPr marL="0" indent="0">
+              <a:buNone/>
+            </a:pPr>
+            <a:r>
+              <a:rPr lang="pt-BR" dirty="0" smtClean="0"/>
+              <a:t>Passos do Teste:</a:t>
+            </a:r>
+          </a:p>
+          <a:p>
+            <a:pPr marL="0" indent="0">
+              <a:buNone/>
+            </a:pPr>
+            <a:r>
+              <a:rPr lang="pt-BR" dirty="0" smtClean="0"/>
+              <a:t>1- Campo Quantidade | RE: Aceitar valores maior que zero</a:t>
+            </a:r>
+          </a:p>
+          <a:p>
+            <a:pPr marL="0" indent="0">
+              <a:buNone/>
+            </a:pPr>
+            <a:endParaRPr lang="pt-BR" dirty="0"/>
+          </a:p>
+        </p:txBody>
+      </p:sp>
+    </p:spTree>
+    <p:extLst>
+      <p:ext uri="{BB962C8B-B14F-4D97-AF65-F5344CB8AC3E}">
+        <p14:creationId xmlns:p14="http://schemas.microsoft.com/office/powerpoint/2010/main" val="2670609807"/>
+      </p:ext>
+    </p:extLst>
+  </p:cSld>
+  <p:clrMapOvr>
+    <a:masterClrMapping/>
+  </p:clrMapOvr>
+</p:sld>
+</file>
+
+<file path=ppt/slides/slide19.xml><?xml version="1.0" encoding="utf-8"?>
+<p:sld xmlns:a="http://schemas.openxmlformats.org/drawingml/2006/main" xmlns:r="http://schemas.openxmlformats.org/officeDocument/2006/relationships" xmlns:p="http://schemas.openxmlformats.org/presentationml/2006/main">
+  <p:cSld>
+    <p:spTree>
+      <p:nvGrpSpPr>
+        <p:cNvPr id="1" name=""/>
+        <p:cNvGrpSpPr/>
+        <p:nvPr/>
+      </p:nvGrpSpPr>
+      <p:grpSpPr>
+        <a:xfrm>
+          <a:off x="0" y="0"/>
+          <a:ext cx="0" cy="0"/>
+          <a:chOff x="0" y="0"/>
+          <a:chExt cx="0" cy="0"/>
+        </a:xfrm>
+      </p:grpSpPr>
+      <p:sp>
+        <p:nvSpPr>
+          <p:cNvPr id="2" name="Título 1"/>
+          <p:cNvSpPr>
+            <a:spLocks noGrp="1"/>
+          </p:cNvSpPr>
+          <p:nvPr>
+            <p:ph type="title"/>
+          </p:nvPr>
+        </p:nvSpPr>
+        <p:spPr/>
+        <p:txBody>
+          <a:bodyPr/>
+          <a:lstStyle/>
+          <a:p>
+            <a:r>
+              <a:rPr lang="pt-BR" dirty="0" smtClean="0"/>
+              <a:t>Caso de Teste</a:t>
+            </a:r>
+            <a:endParaRPr lang="pt-BR" dirty="0"/>
+          </a:p>
+        </p:txBody>
+      </p:sp>
+      <p:sp>
+        <p:nvSpPr>
+          <p:cNvPr id="3" name="Espaço Reservado para Conteúdo 2"/>
+          <p:cNvSpPr>
+            <a:spLocks noGrp="1"/>
+          </p:cNvSpPr>
+          <p:nvPr>
+            <p:ph idx="1"/>
+          </p:nvPr>
+        </p:nvSpPr>
+        <p:spPr/>
+        <p:txBody>
+          <a:bodyPr>
+            <a:normAutofit fontScale="85000" lnSpcReduction="20000"/>
+          </a:bodyPr>
+          <a:lstStyle/>
+          <a:p>
+            <a:r>
+              <a:rPr lang="pt-BR" dirty="0" smtClean="0"/>
+              <a:t>CT07: </a:t>
+            </a:r>
+            <a:r>
+              <a:rPr lang="pt-BR" dirty="0"/>
+              <a:t>Tela Requisição &gt; Botão Gravar</a:t>
+            </a:r>
+          </a:p>
+          <a:p>
+            <a:pPr marL="0" indent="0">
+              <a:buNone/>
+            </a:pPr>
+            <a:r>
+              <a:rPr lang="pt-BR" dirty="0" smtClean="0"/>
+              <a:t>   </a:t>
+            </a:r>
+            <a:r>
+              <a:rPr lang="pt-BR" dirty="0"/>
+              <a:t>RN: </a:t>
+            </a:r>
+            <a:r>
+              <a:rPr lang="pt-BR" dirty="0" smtClean="0"/>
+              <a:t>RN11</a:t>
+            </a:r>
+            <a:endParaRPr lang="pt-BR" dirty="0"/>
+          </a:p>
+          <a:p>
+            <a:endParaRPr lang="pt-BR" dirty="0" smtClean="0"/>
+          </a:p>
+          <a:p>
+            <a:pPr marL="0" lvl="0" indent="0">
+              <a:lnSpc>
+                <a:spcPct val="100000"/>
+              </a:lnSpc>
+              <a:spcBef>
+                <a:spcPts val="0"/>
+              </a:spcBef>
+              <a:buNone/>
+              <a:defRPr/>
+            </a:pPr>
+            <a:r>
+              <a:rPr lang="pt-BR" dirty="0"/>
+              <a:t>Resultado Esperado</a:t>
+            </a:r>
+            <a:r>
+              <a:rPr lang="pt-BR" dirty="0" smtClean="0"/>
+              <a:t>: </a:t>
+            </a:r>
+            <a:r>
+              <a:rPr lang="pt-BR" dirty="0"/>
+              <a:t>O botão gravar só deve ficar ativo depois que o valor da quantidade informada for maior que zero  e se a quantidade for menor ou igual ao valor exibido no estoque.</a:t>
+            </a:r>
+          </a:p>
+          <a:p>
+            <a:pPr marL="0" indent="0">
+              <a:buNone/>
+            </a:pPr>
+            <a:endParaRPr lang="pt-BR" dirty="0"/>
+          </a:p>
+          <a:p>
+            <a:pPr marL="0" indent="0">
+              <a:buNone/>
+            </a:pPr>
+            <a:r>
+              <a:rPr lang="pt-BR" dirty="0" smtClean="0"/>
+              <a:t>Pré-Condições: </a:t>
+            </a:r>
+            <a:r>
+              <a:rPr lang="pt-BR" dirty="0"/>
+              <a:t>Tela do almoxarifado, já está </a:t>
+            </a:r>
+            <a:r>
+              <a:rPr lang="pt-BR" dirty="0" smtClean="0"/>
+              <a:t>aberta</a:t>
+            </a:r>
+          </a:p>
+          <a:p>
+            <a:pPr marL="0" indent="0">
+              <a:buNone/>
+            </a:pPr>
+            <a:endParaRPr lang="pt-BR" dirty="0"/>
+          </a:p>
+          <a:p>
+            <a:pPr marL="0" indent="0">
+              <a:buNone/>
+            </a:pPr>
+            <a:r>
+              <a:rPr lang="pt-BR" dirty="0" smtClean="0"/>
+              <a:t>Passos do Teste:</a:t>
+            </a:r>
+          </a:p>
+          <a:p>
+            <a:pPr marL="0" indent="0">
+              <a:buNone/>
+            </a:pPr>
+            <a:r>
+              <a:rPr lang="pt-BR" dirty="0" smtClean="0"/>
+              <a:t>1- Quantidade Informada | </a:t>
+            </a:r>
+            <a:r>
+              <a:rPr lang="pt-BR" dirty="0"/>
+              <a:t>RE </a:t>
+            </a:r>
+            <a:r>
+              <a:rPr lang="pt-BR" dirty="0" smtClean="0"/>
+              <a:t>: Quantidade </a:t>
+            </a:r>
+            <a:r>
+              <a:rPr lang="pt-BR" dirty="0"/>
+              <a:t>for menor ou igual ao valor exibido no estoque.</a:t>
+            </a:r>
+            <a:endParaRPr lang="pt-BR" dirty="0" smtClean="0"/>
+          </a:p>
+          <a:p>
+            <a:pPr marL="0" indent="0">
+              <a:buNone/>
+            </a:pPr>
+            <a:endParaRPr lang="pt-BR" dirty="0"/>
+          </a:p>
+        </p:txBody>
+      </p:sp>
+    </p:spTree>
+    <p:extLst>
+      <p:ext uri="{BB962C8B-B14F-4D97-AF65-F5344CB8AC3E}">
+        <p14:creationId xmlns:p14="http://schemas.microsoft.com/office/powerpoint/2010/main" val="2958106379"/>
+      </p:ext>
+    </p:extLst>
+  </p:cSld>
+  <p:clrMapOvr>
+    <a:masterClrMapping/>
+  </p:clrMapOvr>
+</p:sld>
+</file>
+
 <file path=ppt/slides/slide2.xml><?xml version="1.0" encoding="utf-8"?>
 <p:sld xmlns:a="http://schemas.openxmlformats.org/drawingml/2006/main" xmlns:r="http://schemas.openxmlformats.org/officeDocument/2006/relationships" xmlns:p="http://schemas.openxmlformats.org/presentationml/2006/main">
   <p:cSld>
@@ -3473,6 +5463,644 @@
     <p:extLst>
       <p:ext uri="{BB962C8B-B14F-4D97-AF65-F5344CB8AC3E}">
         <p14:creationId xmlns:p14="http://schemas.microsoft.com/office/powerpoint/2010/main" val="1222528831"/>
+      </p:ext>
+    </p:extLst>
+  </p:cSld>
+  <p:clrMapOvr>
+    <a:masterClrMapping/>
+  </p:clrMapOvr>
+</p:sld>
+</file>
+
+<file path=ppt/slides/slide20.xml><?xml version="1.0" encoding="utf-8"?>
+<p:sld xmlns:a="http://schemas.openxmlformats.org/drawingml/2006/main" xmlns:r="http://schemas.openxmlformats.org/officeDocument/2006/relationships" xmlns:p="http://schemas.openxmlformats.org/presentationml/2006/main">
+  <p:cSld>
+    <p:spTree>
+      <p:nvGrpSpPr>
+        <p:cNvPr id="1" name=""/>
+        <p:cNvGrpSpPr/>
+        <p:nvPr/>
+      </p:nvGrpSpPr>
+      <p:grpSpPr>
+        <a:xfrm>
+          <a:off x="0" y="0"/>
+          <a:ext cx="0" cy="0"/>
+          <a:chOff x="0" y="0"/>
+          <a:chExt cx="0" cy="0"/>
+        </a:xfrm>
+      </p:grpSpPr>
+      <p:sp>
+        <p:nvSpPr>
+          <p:cNvPr id="2" name="Título 1"/>
+          <p:cNvSpPr>
+            <a:spLocks noGrp="1"/>
+          </p:cNvSpPr>
+          <p:nvPr>
+            <p:ph type="title"/>
+          </p:nvPr>
+        </p:nvSpPr>
+        <p:spPr/>
+        <p:txBody>
+          <a:bodyPr/>
+          <a:lstStyle/>
+          <a:p>
+            <a:r>
+              <a:rPr lang="pt-BR" dirty="0" smtClean="0"/>
+              <a:t>Caso de Teste</a:t>
+            </a:r>
+            <a:endParaRPr lang="pt-BR" dirty="0"/>
+          </a:p>
+        </p:txBody>
+      </p:sp>
+      <p:sp>
+        <p:nvSpPr>
+          <p:cNvPr id="3" name="Espaço Reservado para Conteúdo 2"/>
+          <p:cNvSpPr>
+            <a:spLocks noGrp="1"/>
+          </p:cNvSpPr>
+          <p:nvPr>
+            <p:ph idx="1"/>
+          </p:nvPr>
+        </p:nvSpPr>
+        <p:spPr/>
+        <p:txBody>
+          <a:bodyPr>
+            <a:normAutofit fontScale="85000" lnSpcReduction="20000"/>
+          </a:bodyPr>
+          <a:lstStyle/>
+          <a:p>
+            <a:r>
+              <a:rPr lang="pt-BR" dirty="0" smtClean="0"/>
+              <a:t>CT08: </a:t>
+            </a:r>
+            <a:r>
+              <a:rPr lang="pt-BR" dirty="0"/>
+              <a:t>Tela Requisição &gt; </a:t>
+            </a:r>
+            <a:r>
+              <a:rPr lang="pt-BR" dirty="0" err="1"/>
+              <a:t>Nivel</a:t>
+            </a:r>
+            <a:r>
+              <a:rPr lang="pt-BR" dirty="0"/>
+              <a:t> Prioridade</a:t>
+            </a:r>
+          </a:p>
+          <a:p>
+            <a:pPr marL="0" indent="0">
+              <a:buNone/>
+            </a:pPr>
+            <a:r>
+              <a:rPr lang="pt-BR" dirty="0" smtClean="0"/>
+              <a:t>   </a:t>
+            </a:r>
+            <a:r>
+              <a:rPr lang="pt-BR" dirty="0"/>
+              <a:t>RN: </a:t>
+            </a:r>
+            <a:r>
+              <a:rPr lang="pt-BR" dirty="0" smtClean="0"/>
+              <a:t>RN12</a:t>
+            </a:r>
+            <a:endParaRPr lang="pt-BR" dirty="0"/>
+          </a:p>
+          <a:p>
+            <a:endParaRPr lang="pt-BR" dirty="0" smtClean="0"/>
+          </a:p>
+          <a:p>
+            <a:pPr marL="0" lvl="0" indent="0">
+              <a:buNone/>
+            </a:pPr>
+            <a:r>
+              <a:rPr lang="pt-BR" dirty="0"/>
+              <a:t>Resultado Esperado</a:t>
+            </a:r>
+            <a:r>
+              <a:rPr lang="pt-BR" dirty="0" smtClean="0"/>
+              <a:t>: Para cada nível ao clicar apresentar sua cor correspondente</a:t>
+            </a:r>
+          </a:p>
+          <a:p>
+            <a:pPr marL="0" lvl="0" indent="0">
+              <a:buNone/>
+            </a:pPr>
+            <a:endParaRPr lang="pt-BR" dirty="0"/>
+          </a:p>
+          <a:p>
+            <a:pPr marL="0" indent="0">
+              <a:buNone/>
+            </a:pPr>
+            <a:r>
+              <a:rPr lang="pt-BR" dirty="0" smtClean="0"/>
+              <a:t>Pré-Condições: </a:t>
+            </a:r>
+            <a:r>
+              <a:rPr lang="pt-BR" dirty="0"/>
+              <a:t>Tela do almoxarifado, já está </a:t>
+            </a:r>
+            <a:r>
+              <a:rPr lang="pt-BR" dirty="0" smtClean="0"/>
+              <a:t>aberta</a:t>
+            </a:r>
+          </a:p>
+          <a:p>
+            <a:pPr marL="0" indent="0">
+              <a:buNone/>
+            </a:pPr>
+            <a:endParaRPr lang="pt-BR" dirty="0"/>
+          </a:p>
+          <a:p>
+            <a:pPr marL="0" indent="0">
+              <a:buNone/>
+            </a:pPr>
+            <a:r>
+              <a:rPr lang="pt-BR" dirty="0" smtClean="0"/>
+              <a:t>Passos do Teste:</a:t>
+            </a:r>
+          </a:p>
+          <a:p>
+            <a:pPr marL="0" indent="0">
+              <a:buNone/>
+            </a:pPr>
+            <a:r>
+              <a:rPr lang="pt-BR" dirty="0" smtClean="0"/>
+              <a:t>1- Clicar em urgente | RE : círculo ficar com a cor vermelha</a:t>
+            </a:r>
+          </a:p>
+          <a:p>
+            <a:pPr marL="0" indent="0">
+              <a:buNone/>
+            </a:pPr>
+            <a:r>
+              <a:rPr lang="pt-BR" dirty="0" smtClean="0"/>
+              <a:t>2- </a:t>
+            </a:r>
+            <a:r>
+              <a:rPr lang="pt-BR" dirty="0"/>
+              <a:t>Clicar em </a:t>
+            </a:r>
+            <a:r>
+              <a:rPr lang="pt-BR" dirty="0" smtClean="0"/>
+              <a:t>médio </a:t>
+            </a:r>
+            <a:r>
+              <a:rPr lang="pt-BR" dirty="0"/>
+              <a:t>| RE : círculo ficar com a cor </a:t>
+            </a:r>
+            <a:r>
+              <a:rPr lang="pt-BR" dirty="0" smtClean="0"/>
+              <a:t>amarela</a:t>
+            </a:r>
+            <a:endParaRPr lang="pt-BR" dirty="0"/>
+          </a:p>
+          <a:p>
+            <a:pPr marL="0" indent="0">
+              <a:buNone/>
+            </a:pPr>
+            <a:r>
+              <a:rPr lang="pt-BR" dirty="0" smtClean="0"/>
+              <a:t>3- </a:t>
+            </a:r>
+            <a:r>
+              <a:rPr lang="pt-BR" dirty="0"/>
+              <a:t>Clicar em </a:t>
+            </a:r>
+            <a:r>
+              <a:rPr lang="pt-BR" dirty="0" smtClean="0"/>
+              <a:t>baixo </a:t>
+            </a:r>
+            <a:r>
+              <a:rPr lang="pt-BR" dirty="0"/>
+              <a:t>| RE : círculo ficar com a cor </a:t>
+            </a:r>
+            <a:r>
+              <a:rPr lang="pt-BR" dirty="0" smtClean="0"/>
+              <a:t>verde</a:t>
+            </a:r>
+            <a:endParaRPr lang="pt-BR" dirty="0"/>
+          </a:p>
+          <a:p>
+            <a:pPr marL="0" indent="0">
+              <a:buNone/>
+            </a:pPr>
+            <a:endParaRPr lang="pt-BR" dirty="0" smtClean="0"/>
+          </a:p>
+          <a:p>
+            <a:pPr marL="0" indent="0">
+              <a:buNone/>
+            </a:pPr>
+            <a:endParaRPr lang="pt-BR" dirty="0"/>
+          </a:p>
+        </p:txBody>
+      </p:sp>
+    </p:spTree>
+    <p:extLst>
+      <p:ext uri="{BB962C8B-B14F-4D97-AF65-F5344CB8AC3E}">
+        <p14:creationId xmlns:p14="http://schemas.microsoft.com/office/powerpoint/2010/main" val="754034476"/>
+      </p:ext>
+    </p:extLst>
+  </p:cSld>
+  <p:clrMapOvr>
+    <a:masterClrMapping/>
+  </p:clrMapOvr>
+</p:sld>
+</file>
+
+<file path=ppt/slides/slide21.xml><?xml version="1.0" encoding="utf-8"?>
+<p:sld xmlns:a="http://schemas.openxmlformats.org/drawingml/2006/main" xmlns:r="http://schemas.openxmlformats.org/officeDocument/2006/relationships" xmlns:p="http://schemas.openxmlformats.org/presentationml/2006/main">
+  <p:cSld>
+    <p:spTree>
+      <p:nvGrpSpPr>
+        <p:cNvPr id="1" name=""/>
+        <p:cNvGrpSpPr/>
+        <p:nvPr/>
+      </p:nvGrpSpPr>
+      <p:grpSpPr>
+        <a:xfrm>
+          <a:off x="0" y="0"/>
+          <a:ext cx="0" cy="0"/>
+          <a:chOff x="0" y="0"/>
+          <a:chExt cx="0" cy="0"/>
+        </a:xfrm>
+      </p:grpSpPr>
+      <p:sp>
+        <p:nvSpPr>
+          <p:cNvPr id="2" name="Título 1"/>
+          <p:cNvSpPr>
+            <a:spLocks noGrp="1"/>
+          </p:cNvSpPr>
+          <p:nvPr>
+            <p:ph type="title"/>
+          </p:nvPr>
+        </p:nvSpPr>
+        <p:spPr/>
+        <p:txBody>
+          <a:bodyPr/>
+          <a:lstStyle/>
+          <a:p>
+            <a:r>
+              <a:rPr lang="pt-BR" dirty="0" smtClean="0"/>
+              <a:t>Caso de Teste</a:t>
+            </a:r>
+            <a:endParaRPr lang="pt-BR" dirty="0"/>
+          </a:p>
+        </p:txBody>
+      </p:sp>
+      <p:sp>
+        <p:nvSpPr>
+          <p:cNvPr id="3" name="Espaço Reservado para Conteúdo 2"/>
+          <p:cNvSpPr>
+            <a:spLocks noGrp="1"/>
+          </p:cNvSpPr>
+          <p:nvPr>
+            <p:ph idx="1"/>
+          </p:nvPr>
+        </p:nvSpPr>
+        <p:spPr/>
+        <p:txBody>
+          <a:bodyPr>
+            <a:normAutofit fontScale="85000" lnSpcReduction="20000"/>
+          </a:bodyPr>
+          <a:lstStyle/>
+          <a:p>
+            <a:pPr marL="0" lvl="0" indent="0">
+              <a:lnSpc>
+                <a:spcPct val="100000"/>
+              </a:lnSpc>
+              <a:spcBef>
+                <a:spcPts val="0"/>
+              </a:spcBef>
+              <a:buNone/>
+              <a:defRPr/>
+            </a:pPr>
+            <a:r>
+              <a:rPr lang="pt-BR" dirty="0" smtClean="0"/>
+              <a:t>CT09: </a:t>
+            </a:r>
+            <a:r>
+              <a:rPr lang="pt-BR" dirty="0"/>
+              <a:t>Tela Requisição &gt; Elemento Status Estoque</a:t>
+            </a:r>
+          </a:p>
+          <a:p>
+            <a:pPr marL="0" indent="0">
+              <a:buNone/>
+            </a:pPr>
+            <a:r>
+              <a:rPr lang="pt-BR" dirty="0" smtClean="0"/>
+              <a:t>   </a:t>
+            </a:r>
+            <a:r>
+              <a:rPr lang="pt-BR" dirty="0"/>
+              <a:t>RN: </a:t>
+            </a:r>
+            <a:r>
+              <a:rPr lang="pt-BR" dirty="0" smtClean="0"/>
+              <a:t>RN13</a:t>
+            </a:r>
+            <a:endParaRPr lang="pt-BR" dirty="0"/>
+          </a:p>
+          <a:p>
+            <a:endParaRPr lang="pt-BR" dirty="0" smtClean="0"/>
+          </a:p>
+          <a:p>
+            <a:pPr marL="0" indent="0">
+              <a:buNone/>
+            </a:pPr>
+            <a:r>
+              <a:rPr lang="pt-BR" dirty="0"/>
+              <a:t>Resultado Esperado</a:t>
+            </a:r>
+            <a:r>
+              <a:rPr lang="pt-BR" dirty="0" smtClean="0"/>
+              <a:t>: </a:t>
+            </a:r>
+            <a:r>
+              <a:rPr lang="pt-BR" dirty="0"/>
+              <a:t>O elemento Status Estoque é o retângulo exibido ao lado do campo quantidade e deve ficar com as cores a seguir e conforme legenda.</a:t>
+            </a:r>
+          </a:p>
+          <a:p>
+            <a:pPr marL="0" lvl="0" indent="0">
+              <a:buNone/>
+            </a:pPr>
+            <a:endParaRPr lang="pt-BR" dirty="0" smtClean="0"/>
+          </a:p>
+          <a:p>
+            <a:pPr marL="0" lvl="0" indent="0">
+              <a:buNone/>
+            </a:pPr>
+            <a:endParaRPr lang="pt-BR" dirty="0"/>
+          </a:p>
+          <a:p>
+            <a:pPr marL="0" indent="0">
+              <a:buNone/>
+            </a:pPr>
+            <a:r>
+              <a:rPr lang="pt-BR" dirty="0" smtClean="0"/>
+              <a:t>Pré-Condições: </a:t>
+            </a:r>
+            <a:r>
+              <a:rPr lang="pt-BR" dirty="0"/>
+              <a:t>Tela do almoxarifado, já está </a:t>
+            </a:r>
+            <a:r>
+              <a:rPr lang="pt-BR" dirty="0" smtClean="0"/>
+              <a:t>aberta</a:t>
+            </a:r>
+          </a:p>
+          <a:p>
+            <a:pPr marL="0" indent="0">
+              <a:buNone/>
+            </a:pPr>
+            <a:endParaRPr lang="pt-BR" dirty="0"/>
+          </a:p>
+          <a:p>
+            <a:pPr marL="0" indent="0">
+              <a:buNone/>
+            </a:pPr>
+            <a:r>
+              <a:rPr lang="pt-BR" dirty="0" smtClean="0"/>
+              <a:t>Passos do Teste:</a:t>
+            </a:r>
+          </a:p>
+          <a:p>
+            <a:pPr marL="0" indent="0">
+              <a:buNone/>
+            </a:pPr>
+            <a:r>
+              <a:rPr lang="pt-BR" dirty="0" smtClean="0"/>
+              <a:t>1- Categoria Motivo | </a:t>
+            </a:r>
+            <a:r>
+              <a:rPr lang="pt-BR" dirty="0"/>
+              <a:t>RE </a:t>
+            </a:r>
+            <a:r>
+              <a:rPr lang="pt-BR" dirty="0" smtClean="0"/>
+              <a:t>: O campo motivo </a:t>
+            </a:r>
+            <a:r>
+              <a:rPr lang="pt-BR" dirty="0"/>
+              <a:t>deve exibir somente os motivos da categoria selecionada</a:t>
+            </a:r>
+            <a:r>
+              <a:rPr lang="pt-BR" dirty="0" smtClean="0"/>
+              <a:t>.</a:t>
+            </a:r>
+          </a:p>
+          <a:p>
+            <a:pPr marL="0" indent="0">
+              <a:buNone/>
+            </a:pPr>
+            <a:endParaRPr lang="pt-BR" dirty="0"/>
+          </a:p>
+        </p:txBody>
+      </p:sp>
+    </p:spTree>
+    <p:extLst>
+      <p:ext uri="{BB962C8B-B14F-4D97-AF65-F5344CB8AC3E}">
+        <p14:creationId xmlns:p14="http://schemas.microsoft.com/office/powerpoint/2010/main" val="2843824235"/>
+      </p:ext>
+    </p:extLst>
+  </p:cSld>
+  <p:clrMapOvr>
+    <a:masterClrMapping/>
+  </p:clrMapOvr>
+</p:sld>
+</file>
+
+<file path=ppt/slides/slide22.xml><?xml version="1.0" encoding="utf-8"?>
+<p:sld xmlns:a="http://schemas.openxmlformats.org/drawingml/2006/main" xmlns:r="http://schemas.openxmlformats.org/officeDocument/2006/relationships" xmlns:p="http://schemas.openxmlformats.org/presentationml/2006/main">
+  <p:cSld>
+    <p:spTree>
+      <p:nvGrpSpPr>
+        <p:cNvPr id="1" name=""/>
+        <p:cNvGrpSpPr/>
+        <p:nvPr/>
+      </p:nvGrpSpPr>
+      <p:grpSpPr>
+        <a:xfrm>
+          <a:off x="0" y="0"/>
+          <a:ext cx="0" cy="0"/>
+          <a:chOff x="0" y="0"/>
+          <a:chExt cx="0" cy="0"/>
+        </a:xfrm>
+      </p:grpSpPr>
+      <p:sp>
+        <p:nvSpPr>
+          <p:cNvPr id="2" name="Título 1"/>
+          <p:cNvSpPr>
+            <a:spLocks noGrp="1"/>
+          </p:cNvSpPr>
+          <p:nvPr>
+            <p:ph type="title"/>
+          </p:nvPr>
+        </p:nvSpPr>
+        <p:spPr/>
+        <p:txBody>
+          <a:bodyPr/>
+          <a:lstStyle/>
+          <a:p>
+            <a:r>
+              <a:rPr lang="pt-BR" dirty="0" smtClean="0"/>
+              <a:t>Caso de Teste</a:t>
+            </a:r>
+            <a:endParaRPr lang="pt-BR" dirty="0"/>
+          </a:p>
+        </p:txBody>
+      </p:sp>
+      <p:sp>
+        <p:nvSpPr>
+          <p:cNvPr id="3" name="Espaço Reservado para Conteúdo 2"/>
+          <p:cNvSpPr>
+            <a:spLocks noGrp="1"/>
+          </p:cNvSpPr>
+          <p:nvPr>
+            <p:ph idx="1"/>
+          </p:nvPr>
+        </p:nvSpPr>
+        <p:spPr/>
+        <p:txBody>
+          <a:bodyPr>
+            <a:normAutofit fontScale="92500" lnSpcReduction="20000"/>
+          </a:bodyPr>
+          <a:lstStyle/>
+          <a:p>
+            <a:r>
+              <a:rPr lang="pt-BR" dirty="0" smtClean="0"/>
+              <a:t>CT10: </a:t>
+            </a:r>
+            <a:r>
+              <a:rPr lang="pt-BR" dirty="0"/>
+              <a:t>Tela Requisição &gt; Status Estoque &gt; </a:t>
+            </a:r>
+            <a:r>
+              <a:rPr lang="pt-BR" dirty="0" err="1"/>
+              <a:t>ToolTip</a:t>
+            </a:r>
+            <a:endParaRPr lang="pt-BR"/>
+          </a:p>
+          <a:p>
+            <a:pPr marL="0" indent="0">
+              <a:buNone/>
+            </a:pPr>
+            <a:r>
+              <a:rPr lang="pt-BR" smtClean="0"/>
+              <a:t>   </a:t>
+            </a:r>
+            <a:r>
+              <a:rPr lang="pt-BR" dirty="0"/>
+              <a:t>RN: </a:t>
+            </a:r>
+            <a:r>
+              <a:rPr lang="pt-BR" dirty="0" smtClean="0"/>
+              <a:t>RN14</a:t>
+            </a:r>
+            <a:endParaRPr lang="pt-BR" dirty="0"/>
+          </a:p>
+          <a:p>
+            <a:endParaRPr lang="pt-BR" dirty="0" smtClean="0"/>
+          </a:p>
+          <a:p>
+            <a:pPr marL="0" lvl="0" indent="0">
+              <a:lnSpc>
+                <a:spcPct val="100000"/>
+              </a:lnSpc>
+              <a:spcBef>
+                <a:spcPts val="0"/>
+              </a:spcBef>
+              <a:buNone/>
+              <a:defRPr/>
+            </a:pPr>
+            <a:r>
+              <a:rPr lang="pt-BR" dirty="0"/>
+              <a:t>Resultado Esperado</a:t>
+            </a:r>
+            <a:r>
+              <a:rPr lang="pt-BR" dirty="0" smtClean="0"/>
+              <a:t>: </a:t>
+            </a:r>
+            <a:r>
+              <a:rPr lang="pt-BR" dirty="0"/>
+              <a:t>Ao colocar o mouse sobre o elemento Status Estoque (retângulo) deve ser exibido a legenda a seguir.</a:t>
+            </a:r>
+          </a:p>
+          <a:p>
+            <a:pPr marL="0" indent="0">
+              <a:buNone/>
+            </a:pPr>
+            <a:endParaRPr lang="pt-BR" dirty="0"/>
+          </a:p>
+          <a:p>
+            <a:pPr marL="0" indent="0">
+              <a:buNone/>
+            </a:pPr>
+            <a:r>
+              <a:rPr lang="pt-BR" dirty="0" smtClean="0"/>
+              <a:t>Pré-Condições: </a:t>
+            </a:r>
+            <a:r>
+              <a:rPr lang="pt-BR" dirty="0"/>
+              <a:t>Tela do almoxarifado, já está </a:t>
+            </a:r>
+            <a:r>
+              <a:rPr lang="pt-BR" dirty="0" smtClean="0"/>
+              <a:t>aberta</a:t>
+            </a:r>
+          </a:p>
+          <a:p>
+            <a:pPr marL="0" indent="0">
+              <a:buNone/>
+            </a:pPr>
+            <a:endParaRPr lang="pt-BR" dirty="0"/>
+          </a:p>
+          <a:p>
+            <a:pPr marL="0" indent="0">
+              <a:buNone/>
+            </a:pPr>
+            <a:r>
+              <a:rPr lang="pt-BR" dirty="0" smtClean="0"/>
+              <a:t>Passos do Teste:</a:t>
+            </a:r>
+          </a:p>
+          <a:p>
+            <a:pPr marL="0" indent="0">
+              <a:buNone/>
+            </a:pPr>
+            <a:r>
+              <a:rPr lang="pt-BR" dirty="0" smtClean="0"/>
+              <a:t>1- Categoria Motivo | </a:t>
+            </a:r>
+            <a:r>
+              <a:rPr lang="pt-BR" dirty="0"/>
+              <a:t>RE </a:t>
+            </a:r>
+            <a:r>
+              <a:rPr lang="pt-BR" dirty="0" smtClean="0"/>
+              <a:t>: O campo motivo </a:t>
+            </a:r>
+            <a:r>
+              <a:rPr lang="pt-BR" dirty="0"/>
+              <a:t>deve exibir somente os motivos da categoria selecionada</a:t>
+            </a:r>
+            <a:r>
+              <a:rPr lang="pt-BR" dirty="0" smtClean="0"/>
+              <a:t>.</a:t>
+            </a:r>
+          </a:p>
+          <a:p>
+            <a:pPr marL="0" indent="0">
+              <a:buNone/>
+            </a:pPr>
+            <a:endParaRPr lang="pt-BR" dirty="0"/>
+          </a:p>
+        </p:txBody>
+      </p:sp>
+    </p:spTree>
+    <p:extLst>
+      <p:ext uri="{BB962C8B-B14F-4D97-AF65-F5344CB8AC3E}">
+        <p14:creationId xmlns:p14="http://schemas.microsoft.com/office/powerpoint/2010/main" val="89786250"/>
       </p:ext>
     </p:extLst>
   </p:cSld>
@@ -5626,7 +8254,7 @@
         </p:blipFill>
         <p:spPr>
           <a:xfrm>
-            <a:off x="4288327" y="2179007"/>
+            <a:off x="4388235" y="2536459"/>
             <a:ext cx="2018551" cy="683599"/>
           </a:xfrm>
           <a:prstGeom prst="rect">
@@ -5656,7 +8284,7 @@
         </p:blipFill>
         <p:spPr>
           <a:xfrm>
-            <a:off x="6586326" y="2179007"/>
+            <a:off x="6586326" y="2536459"/>
             <a:ext cx="2018551" cy="714904"/>
           </a:xfrm>
           <a:prstGeom prst="rect">
@@ -5686,7 +8314,7 @@
         </p:blipFill>
         <p:spPr>
           <a:xfrm>
-            <a:off x="8784417" y="2188747"/>
+            <a:off x="8784417" y="2538352"/>
             <a:ext cx="2563521" cy="725337"/>
           </a:xfrm>
           <a:prstGeom prst="rect">
@@ -6013,6 +8641,175 @@
     <p:extLst>
       <p:ext uri="{BB962C8B-B14F-4D97-AF65-F5344CB8AC3E}">
         <p14:creationId xmlns:p14="http://schemas.microsoft.com/office/powerpoint/2010/main" val="1904971298"/>
+      </p:ext>
+    </p:extLst>
+  </p:cSld>
+  <p:clrMapOvr>
+    <a:masterClrMapping/>
+  </p:clrMapOvr>
+</p:sld>
+</file>
+
+<file path=ppt/slides/slide9.xml><?xml version="1.0" encoding="utf-8"?>
+<p:sld xmlns:a="http://schemas.openxmlformats.org/drawingml/2006/main" xmlns:r="http://schemas.openxmlformats.org/officeDocument/2006/relationships" xmlns:p="http://schemas.openxmlformats.org/presentationml/2006/main">
+  <p:cSld>
+    <p:spTree>
+      <p:nvGrpSpPr>
+        <p:cNvPr id="1" name=""/>
+        <p:cNvGrpSpPr/>
+        <p:nvPr/>
+      </p:nvGrpSpPr>
+      <p:grpSpPr>
+        <a:xfrm>
+          <a:off x="0" y="0"/>
+          <a:ext cx="0" cy="0"/>
+          <a:chOff x="0" y="0"/>
+          <a:chExt cx="0" cy="0"/>
+        </a:xfrm>
+      </p:grpSpPr>
+      <p:sp>
+        <p:nvSpPr>
+          <p:cNvPr id="2" name="Título 1"/>
+          <p:cNvSpPr>
+            <a:spLocks noGrp="1"/>
+          </p:cNvSpPr>
+          <p:nvPr>
+            <p:ph type="title"/>
+          </p:nvPr>
+        </p:nvSpPr>
+        <p:spPr/>
+        <p:txBody>
+          <a:bodyPr/>
+          <a:lstStyle/>
+          <a:p>
+            <a:r>
+              <a:rPr lang="pt-BR" dirty="0" smtClean="0"/>
+              <a:t>Caso de Teste</a:t>
+            </a:r>
+            <a:endParaRPr lang="pt-BR" dirty="0"/>
+          </a:p>
+        </p:txBody>
+      </p:sp>
+      <p:sp>
+        <p:nvSpPr>
+          <p:cNvPr id="3" name="Espaço Reservado para Conteúdo 2"/>
+          <p:cNvSpPr>
+            <a:spLocks noGrp="1"/>
+          </p:cNvSpPr>
+          <p:nvPr>
+            <p:ph idx="1"/>
+          </p:nvPr>
+        </p:nvSpPr>
+        <p:spPr/>
+        <p:txBody>
+          <a:bodyPr>
+            <a:normAutofit fontScale="92500" lnSpcReduction="10000"/>
+          </a:bodyPr>
+          <a:lstStyle/>
+          <a:p>
+            <a:r>
+              <a:rPr lang="pt-BR" dirty="0" smtClean="0"/>
+              <a:t>CT01: Tela Requisição </a:t>
+            </a:r>
+            <a:r>
+              <a:rPr lang="pt-BR" dirty="0"/>
+              <a:t>&gt; </a:t>
+            </a:r>
+            <a:r>
+              <a:rPr lang="pt-BR" dirty="0" smtClean="0"/>
+              <a:t>Campos</a:t>
+            </a:r>
+          </a:p>
+          <a:p>
+            <a:pPr marL="0" indent="0">
+              <a:buNone/>
+            </a:pPr>
+            <a:r>
+              <a:rPr lang="pt-BR" dirty="0" smtClean="0"/>
+              <a:t>   RN: RN01</a:t>
+            </a:r>
+            <a:endParaRPr lang="pt-BR" dirty="0"/>
+          </a:p>
+          <a:p>
+            <a:pPr marL="0" indent="0">
+              <a:buNone/>
+            </a:pPr>
+            <a:endParaRPr lang="pt-BR" dirty="0" smtClean="0"/>
+          </a:p>
+          <a:p>
+            <a:pPr marL="0" indent="0">
+              <a:buNone/>
+            </a:pPr>
+            <a:r>
+              <a:rPr lang="pt-BR" dirty="0" smtClean="0"/>
+              <a:t>Resultado Esperado: Todos os campos serem obrigatórios, se não existir o campo fica com o fundo vermelho </a:t>
+            </a:r>
+          </a:p>
+          <a:p>
+            <a:pPr marL="0" indent="0">
+              <a:buNone/>
+            </a:pPr>
+            <a:endParaRPr lang="pt-BR" dirty="0"/>
+          </a:p>
+          <a:p>
+            <a:pPr marL="0" indent="0">
+              <a:buNone/>
+            </a:pPr>
+            <a:r>
+              <a:rPr lang="pt-BR" dirty="0" smtClean="0"/>
+              <a:t>Pré-Condições: Tela do almoxarifado, já está aberta</a:t>
+            </a:r>
+          </a:p>
+          <a:p>
+            <a:pPr marL="0" indent="0">
+              <a:buNone/>
+            </a:pPr>
+            <a:endParaRPr lang="pt-BR" dirty="0"/>
+          </a:p>
+          <a:p>
+            <a:pPr marL="0" indent="0">
+              <a:buNone/>
+            </a:pPr>
+            <a:r>
+              <a:rPr lang="pt-BR" dirty="0" smtClean="0"/>
+              <a:t>Passos do Teste:</a:t>
+            </a:r>
+          </a:p>
+          <a:p>
+            <a:pPr marL="0" indent="0">
+              <a:buNone/>
+            </a:pPr>
+            <a:r>
+              <a:rPr lang="pt-BR" dirty="0" smtClean="0"/>
+              <a:t>1- Clicar no botão Gravar | </a:t>
+            </a:r>
+            <a:r>
+              <a:rPr lang="pt-BR" dirty="0"/>
+              <a:t>RE </a:t>
+            </a:r>
+            <a:r>
+              <a:rPr lang="pt-BR" dirty="0" smtClean="0"/>
+              <a:t>: Os campos estarem preenchidos</a:t>
+            </a:r>
+          </a:p>
+          <a:p>
+            <a:pPr marL="0" indent="0">
+              <a:buNone/>
+            </a:pPr>
+            <a:endParaRPr lang="pt-BR" dirty="0" smtClean="0"/>
+          </a:p>
+          <a:p>
+            <a:pPr marL="0" indent="0">
+              <a:buNone/>
+            </a:pPr>
+            <a:endParaRPr lang="pt-BR" dirty="0"/>
+          </a:p>
+        </p:txBody>
+      </p:sp>
+    </p:spTree>
+    <p:extLst>
+      <p:ext uri="{BB962C8B-B14F-4D97-AF65-F5344CB8AC3E}">
+        <p14:creationId xmlns:p14="http://schemas.microsoft.com/office/powerpoint/2010/main" val="2535747545"/>
       </p:ext>
     </p:extLst>
   </p:cSld>
